--- a/Online banking ppt.pptx
+++ b/Online banking ppt.pptx
@@ -6,7 +6,7 @@
     <p:sldMasterId id="2147483708" r:id="rId2"/>
   </p:sldMasterIdLst>
   <p:notesMasterIdLst>
-    <p:notesMasterId r:id="rId26"/>
+    <p:notesMasterId r:id="rId29"/>
   </p:notesMasterIdLst>
   <p:sldIdLst>
     <p:sldId id="307" r:id="rId3"/>
@@ -21,17 +21,20 @@
     <p:sldId id="328" r:id="rId12"/>
     <p:sldId id="338" r:id="rId13"/>
     <p:sldId id="330" r:id="rId14"/>
-    <p:sldId id="331" r:id="rId15"/>
+    <p:sldId id="339" r:id="rId15"/>
     <p:sldId id="333" r:id="rId16"/>
     <p:sldId id="267" r:id="rId17"/>
     <p:sldId id="336" r:id="rId18"/>
     <p:sldId id="335" r:id="rId19"/>
-    <p:sldId id="309" r:id="rId20"/>
-    <p:sldId id="322" r:id="rId21"/>
-    <p:sldId id="323" r:id="rId22"/>
-    <p:sldId id="329" r:id="rId23"/>
-    <p:sldId id="325" r:id="rId24"/>
-    <p:sldId id="318" r:id="rId25"/>
+    <p:sldId id="342" r:id="rId20"/>
+    <p:sldId id="341" r:id="rId21"/>
+    <p:sldId id="343" r:id="rId22"/>
+    <p:sldId id="309" r:id="rId23"/>
+    <p:sldId id="322" r:id="rId24"/>
+    <p:sldId id="323" r:id="rId25"/>
+    <p:sldId id="329" r:id="rId26"/>
+    <p:sldId id="325" r:id="rId27"/>
+    <p:sldId id="318" r:id="rId28"/>
   </p:sldIdLst>
   <p:sldSz cx="9144000" cy="6858000" type="screen4x3"/>
   <p:notesSz cx="6858000" cy="9144000"/>
@@ -10103,7 +10106,7 @@
   <dgm:whole/>
   <dgm:extLst>
     <a:ext uri="http://schemas.microsoft.com/office/drawing/2008/diagram">
-      <dsp:dataModelExt xmlns:dsp="http://schemas.microsoft.com/office/drawing/2008/diagram" relId="rId7" minVer="http://schemas.openxmlformats.org/drawingml/2006/diagram"/>
+      <dsp:dataModelExt xmlns:dsp="http://schemas.microsoft.com/office/drawing/2008/diagram" relId="rId8" minVer="http://schemas.openxmlformats.org/drawingml/2006/diagram"/>
     </a:ext>
   </dgm:extLst>
 </dgm:dataModel>
@@ -10748,7 +10751,7 @@
   <dgm:whole/>
   <dgm:extLst>
     <a:ext uri="http://schemas.microsoft.com/office/drawing/2008/diagram">
-      <dsp:dataModelExt xmlns:dsp="http://schemas.microsoft.com/office/drawing/2008/diagram" relId="rId12" minVer="http://schemas.openxmlformats.org/drawingml/2006/diagram"/>
+      <dsp:dataModelExt xmlns:dsp="http://schemas.microsoft.com/office/drawing/2008/diagram" relId="rId13" minVer="http://schemas.openxmlformats.org/drawingml/2006/diagram"/>
     </a:ext>
   </dgm:extLst>
 </dgm:dataModel>
@@ -11847,6 +11850,775 @@
       <dsp:cNvGrpSpPr/>
     </dsp:nvGrpSpPr>
     <dsp:grpSpPr/>
+    <dsp:sp modelId="{2A0F7F32-F42D-45CF-99FD-97CF4F1B69CF}">
+      <dsp:nvSpPr>
+        <dsp:cNvPr id="0" name=""/>
+        <dsp:cNvSpPr/>
+      </dsp:nvSpPr>
+      <dsp:spPr>
+        <a:xfrm>
+          <a:off x="1440843" y="0"/>
+          <a:ext cx="947388" cy="947388"/>
+        </a:xfrm>
+        <a:prstGeom prst="ellipse">
+          <a:avLst/>
+        </a:prstGeom>
+        <a:solidFill>
+          <a:schemeClr val="lt1">
+            <a:hueOff val="0"/>
+            <a:satOff val="0"/>
+            <a:lumOff val="0"/>
+            <a:alphaOff val="0"/>
+          </a:schemeClr>
+        </a:solidFill>
+        <a:ln w="38100" cap="flat" cmpd="sng" algn="ctr">
+          <a:solidFill>
+            <a:schemeClr val="accent2">
+              <a:shade val="80000"/>
+              <a:hueOff val="0"/>
+              <a:satOff val="0"/>
+              <a:lumOff val="0"/>
+              <a:alphaOff val="0"/>
+            </a:schemeClr>
+          </a:solidFill>
+          <a:prstDash val="solid"/>
+        </a:ln>
+        <a:effectLst>
+          <a:outerShdw blurRad="40000" dist="20000" dir="5400000" rotWithShape="0">
+            <a:srgbClr val="000000">
+              <a:alpha val="38000"/>
+            </a:srgbClr>
+          </a:outerShdw>
+        </a:effectLst>
+      </dsp:spPr>
+      <dsp:style>
+        <a:lnRef idx="3">
+          <a:scrgbClr r="0" g="0" b="0"/>
+        </a:lnRef>
+        <a:fillRef idx="1">
+          <a:scrgbClr r="0" g="0" b="0"/>
+        </a:fillRef>
+        <a:effectRef idx="1">
+          <a:scrgbClr r="0" g="0" b="0"/>
+        </a:effectRef>
+        <a:fontRef idx="minor">
+          <a:schemeClr val="lt1"/>
+        </a:fontRef>
+      </dsp:style>
+      <dsp:txBody>
+        <a:bodyPr spcFirstLastPara="0" vert="horz" wrap="square" lIns="16510" tIns="16510" rIns="16510" bIns="16510" numCol="1" spcCol="1270" anchor="ctr" anchorCtr="0">
+          <a:noAutofit/>
+        </a:bodyPr>
+        <a:lstStyle/>
+        <a:p>
+          <a:pPr lvl="0" algn="ctr" defTabSz="1155700">
+            <a:lnSpc>
+              <a:spcPct val="90000"/>
+            </a:lnSpc>
+            <a:spcBef>
+              <a:spcPct val="0"/>
+            </a:spcBef>
+            <a:spcAft>
+              <a:spcPct val="35000"/>
+            </a:spcAft>
+          </a:pPr>
+          <a:r>
+            <a:rPr lang="en-IN" sz="2600" kern="1200" dirty="0" smtClean="0"/>
+            <a:t>User</a:t>
+          </a:r>
+          <a:endParaRPr lang="en-IN" sz="2600" kern="1200" dirty="0"/>
+        </a:p>
+      </dsp:txBody>
+      <dsp:txXfrm>
+        <a:off x="1579585" y="138742"/>
+        <a:ext cx="669904" cy="669904"/>
+      </dsp:txXfrm>
+    </dsp:sp>
+    <dsp:sp modelId="{6C299B1E-FF91-4041-B597-AC7D7E336DDB}">
+      <dsp:nvSpPr>
+        <dsp:cNvPr id="0" name=""/>
+        <dsp:cNvSpPr/>
+      </dsp:nvSpPr>
+      <dsp:spPr>
+        <a:xfrm rot="8170788">
+          <a:off x="453611" y="1145819"/>
+          <a:ext cx="1239707" cy="270005"/>
+        </a:xfrm>
+        <a:prstGeom prst="leftArrow">
+          <a:avLst>
+            <a:gd name="adj1" fmla="val 60000"/>
+            <a:gd name="adj2" fmla="val 50000"/>
+          </a:avLst>
+        </a:prstGeom>
+        <a:solidFill>
+          <a:schemeClr val="accent2">
+            <a:tint val="60000"/>
+            <a:hueOff val="0"/>
+            <a:satOff val="0"/>
+            <a:lumOff val="0"/>
+            <a:alphaOff val="0"/>
+          </a:schemeClr>
+        </a:solidFill>
+        <a:ln>
+          <a:noFill/>
+        </a:ln>
+        <a:effectLst>
+          <a:outerShdw blurRad="40000" dist="20000" dir="5400000" rotWithShape="0">
+            <a:srgbClr val="000000">
+              <a:alpha val="38000"/>
+            </a:srgbClr>
+          </a:outerShdw>
+        </a:effectLst>
+      </dsp:spPr>
+      <dsp:style>
+        <a:lnRef idx="0">
+          <a:scrgbClr r="0" g="0" b="0"/>
+        </a:lnRef>
+        <a:fillRef idx="1">
+          <a:scrgbClr r="0" g="0" b="0"/>
+        </a:fillRef>
+        <a:effectRef idx="1">
+          <a:scrgbClr r="0" g="0" b="0"/>
+        </a:effectRef>
+        <a:fontRef idx="minor">
+          <a:schemeClr val="lt1"/>
+        </a:fontRef>
+      </dsp:style>
+    </dsp:sp>
+    <dsp:sp modelId="{A7DF65F0-E58E-443E-9565-BE0026763C32}">
+      <dsp:nvSpPr>
+        <dsp:cNvPr id="0" name=""/>
+        <dsp:cNvSpPr/>
+      </dsp:nvSpPr>
+      <dsp:spPr>
+        <a:xfrm>
+          <a:off x="176221" y="1350000"/>
+          <a:ext cx="900019" cy="720015"/>
+        </a:xfrm>
+        <a:prstGeom prst="roundRect">
+          <a:avLst>
+            <a:gd name="adj" fmla="val 10000"/>
+          </a:avLst>
+        </a:prstGeom>
+        <a:solidFill>
+          <a:schemeClr val="lt1">
+            <a:hueOff val="0"/>
+            <a:satOff val="0"/>
+            <a:lumOff val="0"/>
+            <a:alphaOff val="0"/>
+          </a:schemeClr>
+        </a:solidFill>
+        <a:ln w="38100" cap="flat" cmpd="sng" algn="ctr">
+          <a:solidFill>
+            <a:schemeClr val="accent2">
+              <a:shade val="80000"/>
+              <a:hueOff val="0"/>
+              <a:satOff val="0"/>
+              <a:lumOff val="0"/>
+              <a:alphaOff val="0"/>
+            </a:schemeClr>
+          </a:solidFill>
+          <a:prstDash val="solid"/>
+        </a:ln>
+        <a:effectLst>
+          <a:outerShdw blurRad="40000" dist="20000" dir="5400000" rotWithShape="0">
+            <a:srgbClr val="000000">
+              <a:alpha val="38000"/>
+            </a:srgbClr>
+          </a:outerShdw>
+        </a:effectLst>
+      </dsp:spPr>
+      <dsp:style>
+        <a:lnRef idx="3">
+          <a:scrgbClr r="0" g="0" b="0"/>
+        </a:lnRef>
+        <a:fillRef idx="1">
+          <a:scrgbClr r="0" g="0" b="0"/>
+        </a:fillRef>
+        <a:effectRef idx="1">
+          <a:scrgbClr r="0" g="0" b="0"/>
+        </a:effectRef>
+        <a:fontRef idx="minor">
+          <a:schemeClr val="lt1"/>
+        </a:fontRef>
+      </dsp:style>
+      <dsp:txBody>
+        <a:bodyPr spcFirstLastPara="0" vert="horz" wrap="square" lIns="22860" tIns="22860" rIns="22860" bIns="22860" numCol="1" spcCol="1270" anchor="ctr" anchorCtr="0">
+          <a:noAutofit/>
+        </a:bodyPr>
+        <a:lstStyle/>
+        <a:p>
+          <a:pPr lvl="0" algn="ctr" defTabSz="533400">
+            <a:lnSpc>
+              <a:spcPct val="90000"/>
+            </a:lnSpc>
+            <a:spcBef>
+              <a:spcPct val="0"/>
+            </a:spcBef>
+            <a:spcAft>
+              <a:spcPct val="35000"/>
+            </a:spcAft>
+          </a:pPr>
+          <a:r>
+            <a:rPr lang="en-IN" sz="1200" kern="1200" dirty="0" smtClean="0"/>
+            <a:t>Request to add personal details</a:t>
+          </a:r>
+          <a:endParaRPr lang="en-IN" sz="1200" kern="1200" dirty="0"/>
+        </a:p>
+      </dsp:txBody>
+      <dsp:txXfrm>
+        <a:off x="197310" y="1371089"/>
+        <a:ext cx="857841" cy="677837"/>
+      </dsp:txXfrm>
+    </dsp:sp>
+    <dsp:sp modelId="{BC821710-D8D6-44B3-AE70-1FB80AE0FF86}">
+      <dsp:nvSpPr>
+        <dsp:cNvPr id="0" name=""/>
+        <dsp:cNvSpPr/>
+      </dsp:nvSpPr>
+      <dsp:spPr>
+        <a:xfrm rot="10505932">
+          <a:off x="448288" y="424059"/>
+          <a:ext cx="941416" cy="270005"/>
+        </a:xfrm>
+        <a:prstGeom prst="leftArrow">
+          <a:avLst>
+            <a:gd name="adj1" fmla="val 60000"/>
+            <a:gd name="adj2" fmla="val 50000"/>
+          </a:avLst>
+        </a:prstGeom>
+        <a:solidFill>
+          <a:schemeClr val="accent2">
+            <a:tint val="60000"/>
+            <a:hueOff val="0"/>
+            <a:satOff val="0"/>
+            <a:lumOff val="0"/>
+            <a:alphaOff val="0"/>
+          </a:schemeClr>
+        </a:solidFill>
+        <a:ln>
+          <a:noFill/>
+        </a:ln>
+        <a:effectLst>
+          <a:outerShdw blurRad="40000" dist="20000" dir="5400000" rotWithShape="0">
+            <a:srgbClr val="000000">
+              <a:alpha val="38000"/>
+            </a:srgbClr>
+          </a:outerShdw>
+        </a:effectLst>
+      </dsp:spPr>
+      <dsp:style>
+        <a:lnRef idx="0">
+          <a:scrgbClr r="0" g="0" b="0"/>
+        </a:lnRef>
+        <a:fillRef idx="1">
+          <a:scrgbClr r="0" g="0" b="0"/>
+        </a:fillRef>
+        <a:effectRef idx="1">
+          <a:scrgbClr r="0" g="0" b="0"/>
+        </a:effectRef>
+        <a:fontRef idx="minor">
+          <a:schemeClr val="lt1"/>
+        </a:fontRef>
+      </dsp:style>
+    </dsp:sp>
+    <dsp:sp modelId="{3BC5D919-0D36-4BCD-8CBA-4FD7223A2EAB}">
+      <dsp:nvSpPr>
+        <dsp:cNvPr id="0" name=""/>
+        <dsp:cNvSpPr/>
+      </dsp:nvSpPr>
+      <dsp:spPr>
+        <a:xfrm>
+          <a:off x="0" y="239270"/>
+          <a:ext cx="900019" cy="720015"/>
+        </a:xfrm>
+        <a:prstGeom prst="roundRect">
+          <a:avLst>
+            <a:gd name="adj" fmla="val 10000"/>
+          </a:avLst>
+        </a:prstGeom>
+        <a:solidFill>
+          <a:schemeClr val="lt1">
+            <a:hueOff val="0"/>
+            <a:satOff val="0"/>
+            <a:lumOff val="0"/>
+            <a:alphaOff val="0"/>
+          </a:schemeClr>
+        </a:solidFill>
+        <a:ln w="38100" cap="flat" cmpd="sng" algn="ctr">
+          <a:solidFill>
+            <a:schemeClr val="accent2">
+              <a:shade val="80000"/>
+              <a:hueOff val="0"/>
+              <a:satOff val="0"/>
+              <a:lumOff val="0"/>
+              <a:alphaOff val="0"/>
+            </a:schemeClr>
+          </a:solidFill>
+          <a:prstDash val="solid"/>
+        </a:ln>
+        <a:effectLst>
+          <a:outerShdw blurRad="40000" dist="20000" dir="5400000" rotWithShape="0">
+            <a:srgbClr val="000000">
+              <a:alpha val="38000"/>
+            </a:srgbClr>
+          </a:outerShdw>
+        </a:effectLst>
+      </dsp:spPr>
+      <dsp:style>
+        <a:lnRef idx="3">
+          <a:scrgbClr r="0" g="0" b="0"/>
+        </a:lnRef>
+        <a:fillRef idx="1">
+          <a:scrgbClr r="0" g="0" b="0"/>
+        </a:fillRef>
+        <a:effectRef idx="1">
+          <a:scrgbClr r="0" g="0" b="0"/>
+        </a:effectRef>
+        <a:fontRef idx="minor">
+          <a:schemeClr val="lt1"/>
+        </a:fontRef>
+      </dsp:style>
+      <dsp:txBody>
+        <a:bodyPr spcFirstLastPara="0" vert="horz" wrap="square" lIns="22860" tIns="22860" rIns="22860" bIns="22860" numCol="1" spcCol="1270" anchor="ctr" anchorCtr="0">
+          <a:noAutofit/>
+        </a:bodyPr>
+        <a:lstStyle/>
+        <a:p>
+          <a:pPr lvl="0" algn="ctr" defTabSz="533400">
+            <a:lnSpc>
+              <a:spcPct val="90000"/>
+            </a:lnSpc>
+            <a:spcBef>
+              <a:spcPct val="0"/>
+            </a:spcBef>
+            <a:spcAft>
+              <a:spcPct val="35000"/>
+            </a:spcAft>
+          </a:pPr>
+          <a:r>
+            <a:rPr lang="en-IN" sz="1200" kern="1200" dirty="0" smtClean="0"/>
+            <a:t>View mini statement</a:t>
+          </a:r>
+          <a:endParaRPr lang="en-IN" sz="1200" kern="1200" dirty="0"/>
+        </a:p>
+      </dsp:txBody>
+      <dsp:txXfrm>
+        <a:off x="21089" y="260359"/>
+        <a:ext cx="857841" cy="677837"/>
+      </dsp:txXfrm>
+    </dsp:sp>
+    <dsp:sp modelId="{8351C695-285C-48C7-B152-A664EB02542B}">
+      <dsp:nvSpPr>
+        <dsp:cNvPr id="0" name=""/>
+        <dsp:cNvSpPr/>
+      </dsp:nvSpPr>
+      <dsp:spPr>
+        <a:xfrm rot="5744805">
+          <a:off x="1353591" y="1323059"/>
+          <a:ext cx="923763" cy="270005"/>
+        </a:xfrm>
+        <a:prstGeom prst="leftArrow">
+          <a:avLst>
+            <a:gd name="adj1" fmla="val 60000"/>
+            <a:gd name="adj2" fmla="val 50000"/>
+          </a:avLst>
+        </a:prstGeom>
+        <a:solidFill>
+          <a:schemeClr val="accent2">
+            <a:tint val="60000"/>
+            <a:hueOff val="0"/>
+            <a:satOff val="0"/>
+            <a:lumOff val="0"/>
+            <a:alphaOff val="0"/>
+          </a:schemeClr>
+        </a:solidFill>
+        <a:ln>
+          <a:noFill/>
+        </a:ln>
+        <a:effectLst>
+          <a:outerShdw blurRad="40000" dist="20000" dir="5400000" rotWithShape="0">
+            <a:srgbClr val="000000">
+              <a:alpha val="38000"/>
+            </a:srgbClr>
+          </a:outerShdw>
+        </a:effectLst>
+      </dsp:spPr>
+      <dsp:style>
+        <a:lnRef idx="0">
+          <a:scrgbClr r="0" g="0" b="0"/>
+        </a:lnRef>
+        <a:fillRef idx="1">
+          <a:scrgbClr r="0" g="0" b="0"/>
+        </a:fillRef>
+        <a:effectRef idx="1">
+          <a:scrgbClr r="0" g="0" b="0"/>
+        </a:effectRef>
+        <a:fontRef idx="minor">
+          <a:schemeClr val="lt1"/>
+        </a:fontRef>
+      </dsp:style>
+    </dsp:sp>
+    <dsp:sp modelId="{070E8865-E939-402B-ACC1-7E492C9F957C}">
+      <dsp:nvSpPr>
+        <dsp:cNvPr id="0" name=""/>
+        <dsp:cNvSpPr/>
+      </dsp:nvSpPr>
+      <dsp:spPr>
+        <a:xfrm>
+          <a:off x="1319214" y="1557615"/>
+          <a:ext cx="900019" cy="720015"/>
+        </a:xfrm>
+        <a:prstGeom prst="roundRect">
+          <a:avLst>
+            <a:gd name="adj" fmla="val 10000"/>
+          </a:avLst>
+        </a:prstGeom>
+        <a:solidFill>
+          <a:schemeClr val="lt1">
+            <a:hueOff val="0"/>
+            <a:satOff val="0"/>
+            <a:lumOff val="0"/>
+            <a:alphaOff val="0"/>
+          </a:schemeClr>
+        </a:solidFill>
+        <a:ln w="38100" cap="flat" cmpd="sng" algn="ctr">
+          <a:solidFill>
+            <a:schemeClr val="accent2">
+              <a:shade val="80000"/>
+              <a:hueOff val="0"/>
+              <a:satOff val="0"/>
+              <a:lumOff val="0"/>
+              <a:alphaOff val="0"/>
+            </a:schemeClr>
+          </a:solidFill>
+          <a:prstDash val="solid"/>
+        </a:ln>
+        <a:effectLst>
+          <a:outerShdw blurRad="40000" dist="20000" dir="5400000" rotWithShape="0">
+            <a:srgbClr val="000000">
+              <a:alpha val="38000"/>
+            </a:srgbClr>
+          </a:outerShdw>
+        </a:effectLst>
+      </dsp:spPr>
+      <dsp:style>
+        <a:lnRef idx="3">
+          <a:scrgbClr r="0" g="0" b="0"/>
+        </a:lnRef>
+        <a:fillRef idx="1">
+          <a:scrgbClr r="0" g="0" b="0"/>
+        </a:fillRef>
+        <a:effectRef idx="1">
+          <a:scrgbClr r="0" g="0" b="0"/>
+        </a:effectRef>
+        <a:fontRef idx="minor">
+          <a:schemeClr val="lt1"/>
+        </a:fontRef>
+      </dsp:style>
+      <dsp:txBody>
+        <a:bodyPr spcFirstLastPara="0" vert="horz" wrap="square" lIns="22860" tIns="22860" rIns="22860" bIns="22860" numCol="1" spcCol="1270" anchor="ctr" anchorCtr="0">
+          <a:noAutofit/>
+        </a:bodyPr>
+        <a:lstStyle/>
+        <a:p>
+          <a:pPr lvl="0" algn="ctr" defTabSz="533400">
+            <a:lnSpc>
+              <a:spcPct val="90000"/>
+            </a:lnSpc>
+            <a:spcBef>
+              <a:spcPct val="0"/>
+            </a:spcBef>
+            <a:spcAft>
+              <a:spcPct val="35000"/>
+            </a:spcAft>
+          </a:pPr>
+          <a:r>
+            <a:rPr lang="en-IN" sz="1200" kern="1200" dirty="0" smtClean="0"/>
+            <a:t>Request for Check book</a:t>
+          </a:r>
+          <a:endParaRPr lang="en-IN" sz="1200" kern="1200" dirty="0"/>
+        </a:p>
+      </dsp:txBody>
+      <dsp:txXfrm>
+        <a:off x="1340303" y="1578704"/>
+        <a:ext cx="857841" cy="677837"/>
+      </dsp:txXfrm>
+    </dsp:sp>
+    <dsp:sp modelId="{4F41A354-717E-4289-9885-C2E2F256F905}">
+      <dsp:nvSpPr>
+        <dsp:cNvPr id="0" name=""/>
+        <dsp:cNvSpPr/>
+      </dsp:nvSpPr>
+      <dsp:spPr>
+        <a:xfrm rot="627784">
+          <a:off x="2415662" y="497877"/>
+          <a:ext cx="721738" cy="270005"/>
+        </a:xfrm>
+        <a:prstGeom prst="leftArrow">
+          <a:avLst>
+            <a:gd name="adj1" fmla="val 60000"/>
+            <a:gd name="adj2" fmla="val 50000"/>
+          </a:avLst>
+        </a:prstGeom>
+        <a:solidFill>
+          <a:schemeClr val="accent2">
+            <a:tint val="60000"/>
+            <a:hueOff val="0"/>
+            <a:satOff val="0"/>
+            <a:lumOff val="0"/>
+            <a:alphaOff val="0"/>
+          </a:schemeClr>
+        </a:solidFill>
+        <a:ln>
+          <a:noFill/>
+        </a:ln>
+        <a:effectLst>
+          <a:outerShdw blurRad="40000" dist="20000" dir="5400000" rotWithShape="0">
+            <a:srgbClr val="000000">
+              <a:alpha val="38000"/>
+            </a:srgbClr>
+          </a:outerShdw>
+        </a:effectLst>
+      </dsp:spPr>
+      <dsp:style>
+        <a:lnRef idx="0">
+          <a:scrgbClr r="0" g="0" b="0"/>
+        </a:lnRef>
+        <a:fillRef idx="1">
+          <a:scrgbClr r="0" g="0" b="0"/>
+        </a:fillRef>
+        <a:effectRef idx="1">
+          <a:scrgbClr r="0" g="0" b="0"/>
+        </a:effectRef>
+        <a:fontRef idx="minor">
+          <a:schemeClr val="lt1"/>
+        </a:fontRef>
+      </dsp:style>
+    </dsp:sp>
+    <dsp:sp modelId="{306ED78B-8318-45B9-BA8A-B7670E799923}">
+      <dsp:nvSpPr>
+        <dsp:cNvPr id="0" name=""/>
+        <dsp:cNvSpPr/>
+      </dsp:nvSpPr>
+      <dsp:spPr>
+        <a:xfrm>
+          <a:off x="2681390" y="338407"/>
+          <a:ext cx="900019" cy="720015"/>
+        </a:xfrm>
+        <a:prstGeom prst="roundRect">
+          <a:avLst>
+            <a:gd name="adj" fmla="val 10000"/>
+          </a:avLst>
+        </a:prstGeom>
+        <a:solidFill>
+          <a:schemeClr val="lt1">
+            <a:hueOff val="0"/>
+            <a:satOff val="0"/>
+            <a:lumOff val="0"/>
+            <a:alphaOff val="0"/>
+          </a:schemeClr>
+        </a:solidFill>
+        <a:ln w="38100" cap="flat" cmpd="sng" algn="ctr">
+          <a:solidFill>
+            <a:schemeClr val="accent2">
+              <a:shade val="80000"/>
+              <a:hueOff val="0"/>
+              <a:satOff val="0"/>
+              <a:lumOff val="0"/>
+              <a:alphaOff val="0"/>
+            </a:schemeClr>
+          </a:solidFill>
+          <a:prstDash val="solid"/>
+        </a:ln>
+        <a:effectLst>
+          <a:outerShdw blurRad="40000" dist="20000" dir="5400000" rotWithShape="0">
+            <a:srgbClr val="000000">
+              <a:alpha val="38000"/>
+            </a:srgbClr>
+          </a:outerShdw>
+        </a:effectLst>
+      </dsp:spPr>
+      <dsp:style>
+        <a:lnRef idx="3">
+          <a:scrgbClr r="0" g="0" b="0"/>
+        </a:lnRef>
+        <a:fillRef idx="1">
+          <a:scrgbClr r="0" g="0" b="0"/>
+        </a:fillRef>
+        <a:effectRef idx="1">
+          <a:scrgbClr r="0" g="0" b="0"/>
+        </a:effectRef>
+        <a:fontRef idx="minor">
+          <a:schemeClr val="lt1"/>
+        </a:fontRef>
+      </dsp:style>
+      <dsp:txBody>
+        <a:bodyPr spcFirstLastPara="0" vert="horz" wrap="square" lIns="22860" tIns="22860" rIns="22860" bIns="22860" numCol="1" spcCol="1270" anchor="ctr" anchorCtr="0">
+          <a:noAutofit/>
+        </a:bodyPr>
+        <a:lstStyle/>
+        <a:p>
+          <a:pPr lvl="0" algn="ctr" defTabSz="533400">
+            <a:lnSpc>
+              <a:spcPct val="90000"/>
+            </a:lnSpc>
+            <a:spcBef>
+              <a:spcPct val="0"/>
+            </a:spcBef>
+            <a:spcAft>
+              <a:spcPct val="35000"/>
+            </a:spcAft>
+          </a:pPr>
+          <a:r>
+            <a:rPr lang="en-IN" sz="1200" kern="1200" dirty="0" smtClean="0"/>
+            <a:t>Fund Transfer</a:t>
+          </a:r>
+          <a:endParaRPr lang="en-IN" sz="1200" kern="1200" dirty="0"/>
+        </a:p>
+      </dsp:txBody>
+      <dsp:txXfrm>
+        <a:off x="2702479" y="359496"/>
+        <a:ext cx="857841" cy="677837"/>
+      </dsp:txXfrm>
+    </dsp:sp>
+    <dsp:sp modelId="{C2828057-5F65-4707-A76C-46A6588FAB93}">
+      <dsp:nvSpPr>
+        <dsp:cNvPr id="0" name=""/>
+        <dsp:cNvSpPr/>
+      </dsp:nvSpPr>
+      <dsp:spPr>
+        <a:xfrm rot="3045917">
+          <a:off x="2033243" y="1237903"/>
+          <a:ext cx="1231161" cy="270005"/>
+        </a:xfrm>
+        <a:prstGeom prst="leftArrow">
+          <a:avLst>
+            <a:gd name="adj1" fmla="val 60000"/>
+            <a:gd name="adj2" fmla="val 50000"/>
+          </a:avLst>
+        </a:prstGeom>
+        <a:solidFill>
+          <a:schemeClr val="accent2">
+            <a:tint val="60000"/>
+            <a:hueOff val="0"/>
+            <a:satOff val="0"/>
+            <a:lumOff val="0"/>
+            <a:alphaOff val="0"/>
+          </a:schemeClr>
+        </a:solidFill>
+        <a:ln>
+          <a:noFill/>
+        </a:ln>
+        <a:effectLst>
+          <a:outerShdw blurRad="40000" dist="20000" dir="5400000" rotWithShape="0">
+            <a:srgbClr val="000000">
+              <a:alpha val="38000"/>
+            </a:srgbClr>
+          </a:outerShdw>
+        </a:effectLst>
+      </dsp:spPr>
+      <dsp:style>
+        <a:lnRef idx="0">
+          <a:scrgbClr r="0" g="0" b="0"/>
+        </a:lnRef>
+        <a:fillRef idx="1">
+          <a:scrgbClr r="0" g="0" b="0"/>
+        </a:fillRef>
+        <a:effectRef idx="1">
+          <a:scrgbClr r="0" g="0" b="0"/>
+        </a:effectRef>
+        <a:fontRef idx="minor">
+          <a:schemeClr val="lt1"/>
+        </a:fontRef>
+      </dsp:style>
+    </dsp:sp>
+    <dsp:sp modelId="{36349CBE-CB7C-48FD-83C3-D60F2DB8658D}">
+      <dsp:nvSpPr>
+        <dsp:cNvPr id="0" name=""/>
+        <dsp:cNvSpPr/>
+      </dsp:nvSpPr>
+      <dsp:spPr>
+        <a:xfrm>
+          <a:off x="2588168" y="1489703"/>
+          <a:ext cx="900019" cy="720015"/>
+        </a:xfrm>
+        <a:prstGeom prst="roundRect">
+          <a:avLst>
+            <a:gd name="adj" fmla="val 10000"/>
+          </a:avLst>
+        </a:prstGeom>
+        <a:solidFill>
+          <a:schemeClr val="lt1">
+            <a:hueOff val="0"/>
+            <a:satOff val="0"/>
+            <a:lumOff val="0"/>
+            <a:alphaOff val="0"/>
+          </a:schemeClr>
+        </a:solidFill>
+        <a:ln w="38100" cap="flat" cmpd="sng" algn="ctr">
+          <a:solidFill>
+            <a:schemeClr val="accent2">
+              <a:shade val="80000"/>
+              <a:hueOff val="0"/>
+              <a:satOff val="0"/>
+              <a:lumOff val="0"/>
+              <a:alphaOff val="0"/>
+            </a:schemeClr>
+          </a:solidFill>
+          <a:prstDash val="solid"/>
+        </a:ln>
+        <a:effectLst>
+          <a:outerShdw blurRad="40000" dist="20000" dir="5400000" rotWithShape="0">
+            <a:srgbClr val="000000">
+              <a:alpha val="38000"/>
+            </a:srgbClr>
+          </a:outerShdw>
+        </a:effectLst>
+      </dsp:spPr>
+      <dsp:style>
+        <a:lnRef idx="3">
+          <a:scrgbClr r="0" g="0" b="0"/>
+        </a:lnRef>
+        <a:fillRef idx="1">
+          <a:scrgbClr r="0" g="0" b="0"/>
+        </a:fillRef>
+        <a:effectRef idx="1">
+          <a:scrgbClr r="0" g="0" b="0"/>
+        </a:effectRef>
+        <a:fontRef idx="minor">
+          <a:schemeClr val="lt1"/>
+        </a:fontRef>
+      </dsp:style>
+      <dsp:txBody>
+        <a:bodyPr spcFirstLastPara="0" vert="horz" wrap="square" lIns="22860" tIns="22860" rIns="22860" bIns="22860" numCol="1" spcCol="1270" anchor="ctr" anchorCtr="0">
+          <a:noAutofit/>
+        </a:bodyPr>
+        <a:lstStyle/>
+        <a:p>
+          <a:pPr lvl="0" algn="ctr" defTabSz="533400">
+            <a:lnSpc>
+              <a:spcPct val="90000"/>
+            </a:lnSpc>
+            <a:spcBef>
+              <a:spcPct val="0"/>
+            </a:spcBef>
+            <a:spcAft>
+              <a:spcPct val="35000"/>
+            </a:spcAft>
+          </a:pPr>
+          <a:r>
+            <a:rPr lang="en-IN" sz="1200" kern="1200" dirty="0" smtClean="0"/>
+            <a:t>Track Service Request</a:t>
+          </a:r>
+          <a:endParaRPr lang="en-IN" sz="1200" kern="1200" dirty="0"/>
+        </a:p>
+      </dsp:txBody>
+      <dsp:txXfrm>
+        <a:off x="2609257" y="1510792"/>
+        <a:ext cx="857841" cy="677837"/>
+      </dsp:txXfrm>
+    </dsp:sp>
   </dsp:spTree>
 </dsp:drawing>
 </file>
@@ -12199,6 +12971,364 @@
       <dsp:cNvGrpSpPr/>
     </dsp:nvGrpSpPr>
     <dsp:grpSpPr/>
+    <dsp:sp modelId="{2A0F7F32-F42D-45CF-99FD-97CF4F1B69CF}">
+      <dsp:nvSpPr>
+        <dsp:cNvPr id="0" name=""/>
+        <dsp:cNvSpPr/>
+      </dsp:nvSpPr>
+      <dsp:spPr>
+        <a:xfrm>
+          <a:off x="1062937" y="0"/>
+          <a:ext cx="977283" cy="977283"/>
+        </a:xfrm>
+        <a:prstGeom prst="ellipse">
+          <a:avLst/>
+        </a:prstGeom>
+        <a:solidFill>
+          <a:schemeClr val="lt1">
+            <a:hueOff val="0"/>
+            <a:satOff val="0"/>
+            <a:lumOff val="0"/>
+            <a:alphaOff val="0"/>
+          </a:schemeClr>
+        </a:solidFill>
+        <a:ln w="38100" cap="flat" cmpd="sng" algn="ctr">
+          <a:solidFill>
+            <a:schemeClr val="accent2">
+              <a:shade val="80000"/>
+              <a:hueOff val="0"/>
+              <a:satOff val="0"/>
+              <a:lumOff val="0"/>
+              <a:alphaOff val="0"/>
+            </a:schemeClr>
+          </a:solidFill>
+          <a:prstDash val="solid"/>
+        </a:ln>
+        <a:effectLst>
+          <a:outerShdw blurRad="40000" dist="20000" dir="5400000" rotWithShape="0">
+            <a:srgbClr val="000000">
+              <a:alpha val="38000"/>
+            </a:srgbClr>
+          </a:outerShdw>
+        </a:effectLst>
+      </dsp:spPr>
+      <dsp:style>
+        <a:lnRef idx="3">
+          <a:scrgbClr r="0" g="0" b="0"/>
+        </a:lnRef>
+        <a:fillRef idx="1">
+          <a:scrgbClr r="0" g="0" b="0"/>
+        </a:fillRef>
+        <a:effectRef idx="1">
+          <a:scrgbClr r="0" g="0" b="0"/>
+        </a:effectRef>
+        <a:fontRef idx="minor">
+          <a:schemeClr val="lt1"/>
+        </a:fontRef>
+      </dsp:style>
+      <dsp:txBody>
+        <a:bodyPr spcFirstLastPara="0" vert="horz" wrap="square" lIns="12065" tIns="12065" rIns="12065" bIns="12065" numCol="1" spcCol="1270" anchor="ctr" anchorCtr="0">
+          <a:noAutofit/>
+        </a:bodyPr>
+        <a:lstStyle/>
+        <a:p>
+          <a:pPr lvl="0" algn="ctr" defTabSz="844550">
+            <a:lnSpc>
+              <a:spcPct val="90000"/>
+            </a:lnSpc>
+            <a:spcBef>
+              <a:spcPct val="0"/>
+            </a:spcBef>
+            <a:spcAft>
+              <a:spcPct val="35000"/>
+            </a:spcAft>
+          </a:pPr>
+          <a:r>
+            <a:rPr lang="en-IN" sz="1900" kern="1200" dirty="0" smtClean="0"/>
+            <a:t>Admin</a:t>
+          </a:r>
+          <a:endParaRPr lang="en-IN" sz="1900" kern="1200" dirty="0"/>
+        </a:p>
+      </dsp:txBody>
+      <dsp:txXfrm>
+        <a:off x="1206057" y="143120"/>
+        <a:ext cx="691043" cy="691043"/>
+      </dsp:txXfrm>
+    </dsp:sp>
+    <dsp:sp modelId="{6C299B1E-FF91-4041-B597-AC7D7E336DDB}">
+      <dsp:nvSpPr>
+        <dsp:cNvPr id="0" name=""/>
+        <dsp:cNvSpPr/>
+      </dsp:nvSpPr>
+      <dsp:spPr>
+        <a:xfrm rot="8476842">
+          <a:off x="396510" y="943835"/>
+          <a:ext cx="827157" cy="278525"/>
+        </a:xfrm>
+        <a:prstGeom prst="leftArrow">
+          <a:avLst>
+            <a:gd name="adj1" fmla="val 60000"/>
+            <a:gd name="adj2" fmla="val 50000"/>
+          </a:avLst>
+        </a:prstGeom>
+        <a:solidFill>
+          <a:schemeClr val="accent2">
+            <a:tint val="60000"/>
+            <a:hueOff val="0"/>
+            <a:satOff val="0"/>
+            <a:lumOff val="0"/>
+            <a:alphaOff val="0"/>
+          </a:schemeClr>
+        </a:solidFill>
+        <a:ln>
+          <a:noFill/>
+        </a:ln>
+        <a:effectLst>
+          <a:outerShdw blurRad="40000" dist="20000" dir="5400000" rotWithShape="0">
+            <a:srgbClr val="000000">
+              <a:alpha val="38000"/>
+            </a:srgbClr>
+          </a:outerShdw>
+        </a:effectLst>
+      </dsp:spPr>
+      <dsp:style>
+        <a:lnRef idx="0">
+          <a:scrgbClr r="0" g="0" b="0"/>
+        </a:lnRef>
+        <a:fillRef idx="1">
+          <a:scrgbClr r="0" g="0" b="0"/>
+        </a:fillRef>
+        <a:effectRef idx="1">
+          <a:scrgbClr r="0" g="0" b="0"/>
+        </a:effectRef>
+        <a:fontRef idx="minor">
+          <a:schemeClr val="lt1"/>
+        </a:fontRef>
+      </dsp:style>
+    </dsp:sp>
+    <dsp:sp modelId="{A7DF65F0-E58E-443E-9565-BE0026763C32}">
+      <dsp:nvSpPr>
+        <dsp:cNvPr id="0" name=""/>
+        <dsp:cNvSpPr/>
+      </dsp:nvSpPr>
+      <dsp:spPr>
+        <a:xfrm>
+          <a:off x="23196" y="970426"/>
+          <a:ext cx="928419" cy="742735"/>
+        </a:xfrm>
+        <a:prstGeom prst="roundRect">
+          <a:avLst>
+            <a:gd name="adj" fmla="val 10000"/>
+          </a:avLst>
+        </a:prstGeom>
+        <a:solidFill>
+          <a:schemeClr val="lt1">
+            <a:hueOff val="0"/>
+            <a:satOff val="0"/>
+            <a:lumOff val="0"/>
+            <a:alphaOff val="0"/>
+          </a:schemeClr>
+        </a:solidFill>
+        <a:ln w="38100" cap="flat" cmpd="sng" algn="ctr">
+          <a:solidFill>
+            <a:schemeClr val="accent2">
+              <a:shade val="80000"/>
+              <a:hueOff val="0"/>
+              <a:satOff val="0"/>
+              <a:lumOff val="0"/>
+              <a:alphaOff val="0"/>
+            </a:schemeClr>
+          </a:solidFill>
+          <a:prstDash val="solid"/>
+        </a:ln>
+        <a:effectLst>
+          <a:outerShdw blurRad="40000" dist="20000" dir="5400000" rotWithShape="0">
+            <a:srgbClr val="000000">
+              <a:alpha val="38000"/>
+            </a:srgbClr>
+          </a:outerShdw>
+        </a:effectLst>
+      </dsp:spPr>
+      <dsp:style>
+        <a:lnRef idx="3">
+          <a:scrgbClr r="0" g="0" b="0"/>
+        </a:lnRef>
+        <a:fillRef idx="1">
+          <a:scrgbClr r="0" g="0" b="0"/>
+        </a:fillRef>
+        <a:effectRef idx="1">
+          <a:scrgbClr r="0" g="0" b="0"/>
+        </a:effectRef>
+        <a:fontRef idx="minor">
+          <a:schemeClr val="lt1"/>
+        </a:fontRef>
+      </dsp:style>
+      <dsp:txBody>
+        <a:bodyPr spcFirstLastPara="0" vert="horz" wrap="square" lIns="24765" tIns="24765" rIns="24765" bIns="24765" numCol="1" spcCol="1270" anchor="ctr" anchorCtr="0">
+          <a:noAutofit/>
+        </a:bodyPr>
+        <a:lstStyle/>
+        <a:p>
+          <a:pPr lvl="0" algn="ctr" defTabSz="577850">
+            <a:lnSpc>
+              <a:spcPct val="90000"/>
+            </a:lnSpc>
+            <a:spcBef>
+              <a:spcPct val="0"/>
+            </a:spcBef>
+            <a:spcAft>
+              <a:spcPct val="35000"/>
+            </a:spcAft>
+          </a:pPr>
+          <a:r>
+            <a:rPr lang="en-IN" sz="1300" kern="1200" dirty="0" smtClean="0"/>
+            <a:t>Create new account</a:t>
+          </a:r>
+          <a:endParaRPr lang="en-IN" sz="1300" kern="1200" dirty="0"/>
+        </a:p>
+      </dsp:txBody>
+      <dsp:txXfrm>
+        <a:off x="44950" y="992180"/>
+        <a:ext cx="884911" cy="699227"/>
+      </dsp:txXfrm>
+    </dsp:sp>
+    <dsp:sp modelId="{BC821710-D8D6-44B3-AE70-1FB80AE0FF86}">
+      <dsp:nvSpPr>
+        <dsp:cNvPr id="0" name=""/>
+        <dsp:cNvSpPr/>
+      </dsp:nvSpPr>
+      <dsp:spPr>
+        <a:xfrm rot="2439696">
+          <a:off x="1862869" y="949854"/>
+          <a:ext cx="775550" cy="278525"/>
+        </a:xfrm>
+        <a:prstGeom prst="leftArrow">
+          <a:avLst>
+            <a:gd name="adj1" fmla="val 60000"/>
+            <a:gd name="adj2" fmla="val 50000"/>
+          </a:avLst>
+        </a:prstGeom>
+        <a:solidFill>
+          <a:schemeClr val="accent2">
+            <a:tint val="60000"/>
+            <a:hueOff val="0"/>
+            <a:satOff val="0"/>
+            <a:lumOff val="0"/>
+            <a:alphaOff val="0"/>
+          </a:schemeClr>
+        </a:solidFill>
+        <a:ln>
+          <a:noFill/>
+        </a:ln>
+        <a:effectLst>
+          <a:outerShdw blurRad="40000" dist="20000" dir="5400000" rotWithShape="0">
+            <a:srgbClr val="000000">
+              <a:alpha val="38000"/>
+            </a:srgbClr>
+          </a:outerShdw>
+        </a:effectLst>
+      </dsp:spPr>
+      <dsp:style>
+        <a:lnRef idx="0">
+          <a:scrgbClr r="0" g="0" b="0"/>
+        </a:lnRef>
+        <a:fillRef idx="1">
+          <a:scrgbClr r="0" g="0" b="0"/>
+        </a:fillRef>
+        <a:effectRef idx="1">
+          <a:scrgbClr r="0" g="0" b="0"/>
+        </a:effectRef>
+        <a:fontRef idx="minor">
+          <a:schemeClr val="lt1"/>
+        </a:fontRef>
+      </dsp:style>
+    </dsp:sp>
+    <dsp:sp modelId="{3BC5D919-0D36-4BCD-8CBA-4FD7223A2EAB}">
+      <dsp:nvSpPr>
+        <dsp:cNvPr id="0" name=""/>
+        <dsp:cNvSpPr/>
+      </dsp:nvSpPr>
+      <dsp:spPr>
+        <a:xfrm>
+          <a:off x="2080589" y="970420"/>
+          <a:ext cx="928419" cy="742735"/>
+        </a:xfrm>
+        <a:prstGeom prst="roundRect">
+          <a:avLst>
+            <a:gd name="adj" fmla="val 10000"/>
+          </a:avLst>
+        </a:prstGeom>
+        <a:solidFill>
+          <a:schemeClr val="lt1">
+            <a:hueOff val="0"/>
+            <a:satOff val="0"/>
+            <a:lumOff val="0"/>
+            <a:alphaOff val="0"/>
+          </a:schemeClr>
+        </a:solidFill>
+        <a:ln w="38100" cap="flat" cmpd="sng" algn="ctr">
+          <a:solidFill>
+            <a:schemeClr val="accent2">
+              <a:shade val="80000"/>
+              <a:hueOff val="0"/>
+              <a:satOff val="0"/>
+              <a:lumOff val="0"/>
+              <a:alphaOff val="0"/>
+            </a:schemeClr>
+          </a:solidFill>
+          <a:prstDash val="solid"/>
+        </a:ln>
+        <a:effectLst>
+          <a:outerShdw blurRad="40000" dist="20000" dir="5400000" rotWithShape="0">
+            <a:srgbClr val="000000">
+              <a:alpha val="38000"/>
+            </a:srgbClr>
+          </a:outerShdw>
+        </a:effectLst>
+      </dsp:spPr>
+      <dsp:style>
+        <a:lnRef idx="3">
+          <a:scrgbClr r="0" g="0" b="0"/>
+        </a:lnRef>
+        <a:fillRef idx="1">
+          <a:scrgbClr r="0" g="0" b="0"/>
+        </a:fillRef>
+        <a:effectRef idx="1">
+          <a:scrgbClr r="0" g="0" b="0"/>
+        </a:effectRef>
+        <a:fontRef idx="minor">
+          <a:schemeClr val="lt1"/>
+        </a:fontRef>
+      </dsp:style>
+      <dsp:txBody>
+        <a:bodyPr spcFirstLastPara="0" vert="horz" wrap="square" lIns="24765" tIns="24765" rIns="24765" bIns="24765" numCol="1" spcCol="1270" anchor="ctr" anchorCtr="0">
+          <a:noAutofit/>
+        </a:bodyPr>
+        <a:lstStyle/>
+        <a:p>
+          <a:pPr lvl="0" algn="ctr" defTabSz="577850">
+            <a:lnSpc>
+              <a:spcPct val="90000"/>
+            </a:lnSpc>
+            <a:spcBef>
+              <a:spcPct val="0"/>
+            </a:spcBef>
+            <a:spcAft>
+              <a:spcPct val="35000"/>
+            </a:spcAft>
+          </a:pPr>
+          <a:r>
+            <a:rPr lang="en-IN" sz="1300" kern="1200" dirty="0" smtClean="0"/>
+            <a:t>View overall transactions</a:t>
+          </a:r>
+          <a:endParaRPr lang="en-IN" sz="1300" kern="1200" dirty="0"/>
+        </a:p>
+      </dsp:txBody>
+      <dsp:txXfrm>
+        <a:off x="2102343" y="992174"/>
+        <a:ext cx="884911" cy="699227"/>
+      </dsp:txXfrm>
+    </dsp:sp>
   </dsp:spTree>
 </dsp:drawing>
 </file>
@@ -29536,7 +30666,7 @@
           <a:p>
             <a:fld id="{C35A5324-1691-432E-9B96-DD7ECF3FE52F}" type="datetimeFigureOut">
               <a:rPr lang="en-US" smtClean="0"/>
-              <a:t>7/21/2018</a:t>
+              <a:t>7/23/2018</a:t>
             </a:fld>
             <a:endParaRPr lang="en-US" dirty="0"/>
           </a:p>
@@ -30377,7 +31507,7 @@
           <a:p>
             <a:fld id="{6D1A9F14-C511-417B-A9FD-D24FC59BDCAC}" type="datetime1">
               <a:rPr lang="en-US" smtClean="0"/>
-              <a:t>7/21/2018</a:t>
+              <a:t>7/23/2018</a:t>
             </a:fld>
             <a:endParaRPr lang="en-US" dirty="0"/>
           </a:p>
@@ -30546,7 +31676,7 @@
           <a:p>
             <a:fld id="{FDBBCBAB-C02B-4274-A7B8-550998EC6408}" type="datetime1">
               <a:rPr lang="en-US" smtClean="0"/>
-              <a:t>7/21/2018</a:t>
+              <a:t>7/23/2018</a:t>
             </a:fld>
             <a:endParaRPr lang="en-US" dirty="0"/>
           </a:p>
@@ -30725,7 +31855,7 @@
           <a:p>
             <a:fld id="{4F4CA2D8-4097-488C-8F22-5B6BC7F8F25F}" type="datetime1">
               <a:rPr lang="en-US" smtClean="0"/>
-              <a:t>7/21/2018</a:t>
+              <a:t>7/23/2018</a:t>
             </a:fld>
             <a:endParaRPr lang="en-US" dirty="0"/>
           </a:p>
@@ -30979,7 +32109,7 @@
                 </a:solidFill>
               </a:rPr>
               <a:pPr/>
-              <a:t>7/21/2018</a:t>
+              <a:t>7/23/2018</a:t>
             </a:fld>
             <a:endParaRPr lang="en-US" dirty="0">
               <a:solidFill>
@@ -31204,7 +32334,7 @@
                 </a:solidFill>
               </a:rPr>
               <a:pPr/>
-              <a:t>7/21/2018</a:t>
+              <a:t>7/23/2018</a:t>
             </a:fld>
             <a:endParaRPr lang="en-US" dirty="0">
               <a:solidFill>
@@ -31504,7 +32634,7 @@
                 </a:solidFill>
               </a:rPr>
               <a:pPr/>
-              <a:t>7/21/2018</a:t>
+              <a:t>7/23/2018</a:t>
             </a:fld>
             <a:endParaRPr lang="en-US" dirty="0">
               <a:solidFill>
@@ -31846,7 +32976,7 @@
                 </a:solidFill>
               </a:rPr>
               <a:pPr/>
-              <a:t>7/21/2018</a:t>
+              <a:t>7/23/2018</a:t>
             </a:fld>
             <a:endParaRPr lang="en-US" dirty="0">
               <a:solidFill>
@@ -32322,7 +33452,7 @@
                 </a:solidFill>
               </a:rPr>
               <a:pPr/>
-              <a:t>7/21/2018</a:t>
+              <a:t>7/23/2018</a:t>
             </a:fld>
             <a:endParaRPr lang="en-US" dirty="0">
               <a:solidFill>
@@ -32494,7 +33624,7 @@
                 </a:solidFill>
               </a:rPr>
               <a:pPr/>
-              <a:t>7/21/2018</a:t>
+              <a:t>7/23/2018</a:t>
             </a:fld>
             <a:endParaRPr lang="en-US" dirty="0">
               <a:solidFill>
@@ -32643,7 +33773,7 @@
                 </a:solidFill>
               </a:rPr>
               <a:pPr/>
-              <a:t>7/21/2018</a:t>
+              <a:t>7/23/2018</a:t>
             </a:fld>
             <a:endParaRPr lang="en-US" dirty="0">
               <a:solidFill>
@@ -32974,7 +34104,7 @@
                 </a:solidFill>
               </a:rPr>
               <a:pPr/>
-              <a:t>7/21/2018</a:t>
+              <a:t>7/23/2018</a:t>
             </a:fld>
             <a:endParaRPr lang="en-US" dirty="0">
               <a:solidFill>
@@ -33203,7 +34333,7 @@
           <a:p>
             <a:fld id="{743E3948-EF4E-487D-A973-F020DFB0C13D}" type="datetime1">
               <a:rPr lang="en-US" smtClean="0"/>
-              <a:t>7/21/2018</a:t>
+              <a:t>7/23/2018</a:t>
             </a:fld>
             <a:endParaRPr lang="en-US" dirty="0"/>
           </a:p>
@@ -33468,7 +34598,7 @@
                 </a:solidFill>
               </a:rPr>
               <a:pPr/>
-              <a:t>7/21/2018</a:t>
+              <a:t>7/23/2018</a:t>
             </a:fld>
             <a:endParaRPr lang="en-US" dirty="0">
               <a:solidFill>
@@ -33692,7 +34822,7 @@
                 </a:solidFill>
               </a:rPr>
               <a:pPr/>
-              <a:t>7/21/2018</a:t>
+              <a:t>7/23/2018</a:t>
             </a:fld>
             <a:endParaRPr lang="en-US" dirty="0">
               <a:solidFill>
@@ -33926,7 +35056,7 @@
                 </a:solidFill>
               </a:rPr>
               <a:pPr/>
-              <a:t>7/21/2018</a:t>
+              <a:t>7/23/2018</a:t>
             </a:fld>
             <a:endParaRPr lang="en-US" dirty="0">
               <a:solidFill>
@@ -34234,7 +35364,7 @@
           <a:p>
             <a:fld id="{69382192-DBA8-43EE-99A4-050572532554}" type="datetime1">
               <a:rPr lang="en-US" smtClean="0"/>
-              <a:t>7/21/2018</a:t>
+              <a:t>7/23/2018</a:t>
             </a:fld>
             <a:endParaRPr lang="en-US" dirty="0"/>
           </a:p>
@@ -34586,7 +35716,7 @@
           <a:p>
             <a:fld id="{0AFCC562-935D-439C-A9D0-99D4A236FD23}" type="datetime1">
               <a:rPr lang="en-US" smtClean="0"/>
-              <a:t>7/21/2018</a:t>
+              <a:t>7/23/2018</a:t>
             </a:fld>
             <a:endParaRPr lang="en-US" dirty="0"/>
           </a:p>
@@ -34898,7 +36028,7 @@
           <a:p>
             <a:fld id="{E05759BC-0EB8-42E7-A3E5-26D3D51497DF}" type="datetime1">
               <a:rPr lang="en-US" smtClean="0"/>
-              <a:t>7/21/2018</a:t>
+              <a:t>7/23/2018</a:t>
             </a:fld>
             <a:endParaRPr lang="en-US" dirty="0"/>
           </a:p>
@@ -35129,7 +36259,7 @@
           <a:p>
             <a:fld id="{96431F1A-BFC5-405E-A04F-D0A8DD753E51}" type="datetime1">
               <a:rPr lang="en-US" smtClean="0"/>
-              <a:t>7/21/2018</a:t>
+              <a:t>7/23/2018</a:t>
             </a:fld>
             <a:endParaRPr lang="en-US" dirty="0"/>
           </a:p>
@@ -35223,7 +36353,7 @@
           <a:p>
             <a:fld id="{4634B6A5-54F2-4F05-9229-C065F0C5A5E7}" type="datetime1">
               <a:rPr lang="en-US" smtClean="0"/>
-              <a:t>7/21/2018</a:t>
+              <a:t>7/23/2018</a:t>
             </a:fld>
             <a:endParaRPr lang="en-US" dirty="0"/>
           </a:p>
@@ -35515,7 +36645,7 @@
           <a:p>
             <a:fld id="{09B801CD-400D-4959-9D90-8FBA5EEFE16D}" type="datetime1">
               <a:rPr lang="en-US" smtClean="0"/>
-              <a:t>7/21/2018</a:t>
+              <a:t>7/23/2018</a:t>
             </a:fld>
             <a:endParaRPr lang="en-US" dirty="0"/>
           </a:p>
@@ -35788,7 +36918,7 @@
           <a:p>
             <a:fld id="{6A650644-5C5C-4C15-8677-274220AE684D}" type="datetime1">
               <a:rPr lang="en-US" smtClean="0"/>
-              <a:t>7/21/2018</a:t>
+              <a:t>7/23/2018</a:t>
             </a:fld>
             <a:endParaRPr lang="en-US" dirty="0"/>
           </a:p>
@@ -36002,7 +37132,7 @@
           <a:p>
             <a:fld id="{9A46F6BC-7E90-4C48-A62D-F06457316283}" type="datetime1">
               <a:rPr lang="en-US" smtClean="0"/>
-              <a:t>7/21/2018</a:t>
+              <a:t>7/23/2018</a:t>
             </a:fld>
             <a:endParaRPr lang="en-US" dirty="0"/>
           </a:p>
@@ -36648,7 +37778,7 @@
               <a:pPr>
                 <a:defRPr/>
               </a:pPr>
-              <a:t>July 21, 2018</a:t>
+              <a:t>July 23, 2018</a:t>
             </a:fld>
             <a:endParaRPr lang="en-US" sz="800" dirty="0">
               <a:solidFill>
@@ -38308,12 +39438,21 @@
               <a:buNone/>
             </a:pPr>
             <a:r>
-              <a:rPr lang="en-US" sz="2400" dirty="0" smtClean="0">
+              <a:rPr lang="en-US" sz="2400" dirty="0" err="1" smtClean="0">
                 <a:solidFill>
                   <a:srgbClr val="00B0F0"/>
                 </a:solidFill>
               </a:rPr>
               <a:t>LINK:</a:t>
+            </a:r>
+            <a:r>
+              <a:rPr lang="en-US" sz="2400" dirty="0" err="1" smtClean="0">
+                <a:solidFill>
+                  <a:srgbClr val="00B0F0"/>
+                </a:solidFill>
+                <a:hlinkClick r:id="rId2" action="ppaction://hlinkfile"/>
+              </a:rPr>
+              <a:t>USECASE_OnlineBanking.docx</a:t>
             </a:r>
             <a:endParaRPr lang="en-US" sz="2400" dirty="0">
               <a:solidFill>
@@ -38494,31 +39633,41 @@
           <a:p>
             <a:r>
               <a:rPr lang="en-US" dirty="0" smtClean="0"/>
-              <a:t>USE CASE DIAGRAM</a:t>
+              <a:t>USE CASE DIAGRAM – USER </a:t>
             </a:r>
             <a:endParaRPr lang="en-US" dirty="0"/>
           </a:p>
         </p:txBody>
       </p:sp>
-      <p:sp>
-        <p:nvSpPr>
-          <p:cNvPr id="3" name="Content Placeholder 2"/>
-          <p:cNvSpPr>
-            <a:spLocks noGrp="1"/>
-          </p:cNvSpPr>
+      <p:pic>
+        <p:nvPicPr>
+          <p:cNvPr id="4" name="Content Placeholder 3"/>
+          <p:cNvPicPr>
+            <a:picLocks noGrp="1" noChangeAspect="1"/>
+          </p:cNvPicPr>
           <p:nvPr>
             <p:ph idx="1"/>
           </p:nvPr>
-        </p:nvSpPr>
-        <p:spPr/>
-        <p:txBody>
-          <a:bodyPr/>
-          <a:lstStyle/>
-          <a:p>
-            <a:endParaRPr lang="en-US" dirty="0"/>
-          </a:p>
-        </p:txBody>
-      </p:sp>
+        </p:nvPicPr>
+        <p:blipFill>
+          <a:blip r:embed="rId2">
+            <a:extLst>
+              <a:ext uri="{28A0092B-C50C-407E-A947-70E740481C1C}">
+                <a14:useLocalDpi xmlns:a14="http://schemas.microsoft.com/office/drawing/2010/main" val="0"/>
+              </a:ext>
+            </a:extLst>
+          </a:blip>
+          <a:stretch>
+            <a:fillRect/>
+          </a:stretch>
+        </p:blipFill>
+        <p:spPr>
+          <a:xfrm>
+            <a:off x="1466850" y="1143000"/>
+            <a:ext cx="6991350" cy="4949031"/>
+          </a:xfrm>
+        </p:spPr>
+      </p:pic>
     </p:spTree>
     <p:extLst>
       <p:ext uri="{BB962C8B-B14F-4D97-AF65-F5344CB8AC3E}">
@@ -38570,7 +39719,7 @@
       </p:grpSpPr>
       <p:sp>
         <p:nvSpPr>
-          <p:cNvPr id="7" name="Title 1"/>
+          <p:cNvPr id="2" name="Title 1"/>
           <p:cNvSpPr>
             <a:spLocks noGrp="1"/>
           </p:cNvSpPr>
@@ -38578,53 +39727,88 @@
             <p:ph type="title"/>
           </p:nvPr>
         </p:nvSpPr>
-        <p:spPr>
-          <a:xfrm>
-            <a:off x="76200" y="21266"/>
-            <a:ext cx="8229600" cy="792162"/>
-          </a:xfrm>
-        </p:spPr>
+        <p:spPr/>
         <p:txBody>
           <a:bodyPr/>
           <a:lstStyle/>
           <a:p>
             <a:r>
-              <a:rPr lang="en-US" dirty="0" smtClean="0"/>
-              <a:t>USE CASE DIAGRAM</a:t>
+              <a:rPr lang="en-US" dirty="0"/>
+              <a:t>USE CASE DIAGRAM - ADMIN</a:t>
             </a:r>
-            <a:endParaRPr lang="en-US" dirty="0"/>
+          </a:p>
+        </p:txBody>
+      </p:sp>
+      <p:pic>
+        <p:nvPicPr>
+          <p:cNvPr id="5" name="Content Placeholder 4"/>
+          <p:cNvPicPr>
+            <a:picLocks noGrp="1" noChangeAspect="1"/>
+          </p:cNvPicPr>
+          <p:nvPr>
+            <p:ph idx="1"/>
+          </p:nvPr>
+        </p:nvPicPr>
+        <p:blipFill>
+          <a:blip r:embed="rId2">
+            <a:extLst>
+              <a:ext uri="{28A0092B-C50C-407E-A947-70E740481C1C}">
+                <a14:useLocalDpi xmlns:a14="http://schemas.microsoft.com/office/drawing/2010/main" val="0"/>
+              </a:ext>
+            </a:extLst>
+          </a:blip>
+          <a:stretch>
+            <a:fillRect/>
+          </a:stretch>
+        </p:blipFill>
+        <p:spPr>
+          <a:xfrm>
+            <a:off x="1358380" y="1219200"/>
+            <a:ext cx="7404619" cy="4906963"/>
+          </a:xfrm>
+        </p:spPr>
+      </p:pic>
+      <p:sp>
+        <p:nvSpPr>
+          <p:cNvPr id="4" name="Footer Placeholder 3"/>
+          <p:cNvSpPr>
+            <a:spLocks noGrp="1"/>
+          </p:cNvSpPr>
+          <p:nvPr>
+            <p:ph type="ftr" sz="quarter" idx="11"/>
+          </p:nvPr>
+        </p:nvSpPr>
+        <p:spPr/>
+        <p:txBody>
+          <a:bodyPr/>
+          <a:lstStyle/>
+          <a:p>
+            <a:r>
+              <a:rPr lang="en-US" smtClean="0">
+                <a:solidFill>
+                  <a:prstClr val="black"/>
+                </a:solidFill>
+              </a:rPr>
+              <a:t>IGATE Sensitive</a:t>
+            </a:r>
+            <a:endParaRPr lang="en-US" dirty="0">
+              <a:solidFill>
+                <a:prstClr val="black"/>
+              </a:solidFill>
+            </a:endParaRPr>
           </a:p>
         </p:txBody>
       </p:sp>
     </p:spTree>
     <p:extLst>
       <p:ext uri="{BB962C8B-B14F-4D97-AF65-F5344CB8AC3E}">
-        <p14:creationId xmlns:p14="http://schemas.microsoft.com/office/powerpoint/2010/main" val="3820229583"/>
+        <p14:creationId xmlns:p14="http://schemas.microsoft.com/office/powerpoint/2010/main" val="1235879254"/>
       </p:ext>
     </p:extLst>
   </p:cSld>
   <p:clrMapOvr>
     <a:masterClrMapping/>
   </p:clrMapOvr>
-  <mc:AlternateContent xmlns:mc="http://schemas.openxmlformats.org/markup-compatibility/2006" xmlns:p14="http://schemas.microsoft.com/office/powerpoint/2010/main">
-    <mc:Choice Requires="p14">
-      <p:transition spd="slow" p14:dur="800">
-        <p14:flythrough/>
-      </p:transition>
-    </mc:Choice>
-    <mc:Fallback xmlns="">
-      <p:transition spd="slow">
-        <p:fade/>
-      </p:transition>
-    </mc:Fallback>
-  </mc:AlternateContent>
-  <p:timing>
-    <p:tnLst>
-      <p:par>
-        <p:cTn id="1" dur="indefinite" restart="never" nodeType="tmRoot"/>
-      </p:par>
-    </p:tnLst>
-  </p:timing>
 </p:sld>
 </file>
 
@@ -38750,18 +39934,9 @@
                 </a:solidFill>
                 <a:hlinkClick r:id="rId3" action="ppaction://hlinkfile"/>
               </a:rPr>
-              <a:t> User </a:t>
+              <a:t> User Login</a:t>
             </a:r>
-            <a:r>
-              <a:rPr lang="en-US" b="0" dirty="0">
-                <a:solidFill>
-                  <a:schemeClr val="tx1"/>
-                </a:solidFill>
-                <a:hlinkClick r:id="rId3" action="ppaction://hlinkfile"/>
-              </a:rPr>
-              <a:t>Login</a:t>
-            </a:r>
-            <a:endParaRPr lang="en-US" b="0" dirty="0">
+            <a:endParaRPr lang="en-US" b="0" dirty="0" smtClean="0">
               <a:solidFill>
                 <a:schemeClr val="tx1"/>
               </a:solidFill>
@@ -39116,13 +40291,13 @@
               <a:t>LINK:	</a:t>
             </a:r>
             <a:r>
-              <a:rPr lang="en-US" sz="2400" b="0" dirty="0" smtClean="0">
+              <a:rPr lang="en-US" sz="2400" dirty="0" smtClean="0">
                 <a:solidFill>
                   <a:schemeClr val="tx1"/>
                 </a:solidFill>
                 <a:hlinkClick r:id="rId2" action="ppaction://hlinkfile"/>
               </a:rPr>
-              <a:t> Defect</a:t>
+              <a:t>DefectReport_OnlineBanking.xlsx</a:t>
             </a:r>
             <a:endParaRPr lang="en-US" sz="2400" b="0" dirty="0">
               <a:solidFill>
@@ -39237,26 +40412,20 @@
               <a:buChar char="Ø"/>
             </a:pPr>
             <a:r>
-              <a:rPr lang="en-US" b="0" dirty="0" smtClean="0">
+              <a:rPr lang="en-IN" b="0" dirty="0" smtClean="0">
                 <a:solidFill>
                   <a:schemeClr val="tx1"/>
                 </a:solidFill>
               </a:rPr>
-              <a:t>The Account holder registration page is not able to navigate for adding a new account.</a:t>
+              <a:t>The </a:t>
             </a:r>
-          </a:p>
-          <a:p>
-            <a:pPr>
-              <a:buFont typeface="Wingdings" panose="05000000000000000000" pitchFamily="2" charset="2"/>
-              <a:buChar char="Ø"/>
-            </a:pPr>
             <a:r>
               <a:rPr lang="en-IN" b="0" dirty="0" smtClean="0">
                 <a:solidFill>
                   <a:schemeClr val="tx1"/>
                 </a:solidFill>
               </a:rPr>
-              <a:t>The account holder name in the registration page is accepting numerical characters.</a:t>
+              <a:t>account holder name in the registration page is accepting numerical characters.</a:t>
             </a:r>
             <a:endParaRPr lang="en-IN" b="0" dirty="0">
               <a:solidFill>
@@ -39270,21 +40439,32 @@
               <a:buChar char="Ø"/>
             </a:pPr>
             <a:r>
-              <a:rPr lang="en-US" b="0" dirty="0">
+              <a:rPr lang="en-US" b="0" dirty="0" smtClean="0">
                 <a:solidFill>
                   <a:schemeClr val="tx1"/>
                 </a:solidFill>
               </a:rPr>
-              <a:t>The </a:t>
+              <a:t>The account type is not checked.</a:t>
             </a:r>
+          </a:p>
+          <a:p>
+            <a:pPr>
+              <a:buFont typeface="Wingdings" panose="05000000000000000000" pitchFamily="2" charset="2"/>
+              <a:buChar char="Ø"/>
+            </a:pPr>
             <a:r>
               <a:rPr lang="en-US" b="0" dirty="0" smtClean="0">
                 <a:solidFill>
                   <a:schemeClr val="tx1"/>
                 </a:solidFill>
               </a:rPr>
-              <a:t>account holder address in the registration page is accepting more than 200 characters. </a:t>
+              <a:t>Pan doesn’t validate and accepts symbols.</a:t>
             </a:r>
+            <a:endParaRPr lang="en-US" b="0" dirty="0" smtClean="0">
+              <a:solidFill>
+                <a:schemeClr val="tx1"/>
+              </a:solidFill>
+            </a:endParaRPr>
           </a:p>
           <a:p>
             <a:pPr>
@@ -39319,9 +40499,39 @@
                   <a:schemeClr val="tx1"/>
                 </a:solidFill>
               </a:rPr>
-              <a:t>opening balance entered by the account holder is accepting all characters.</a:t>
+              <a:t>opening balance </a:t>
             </a:r>
-            <a:endParaRPr lang="en-US" b="0" dirty="0">
+            <a:r>
+              <a:rPr lang="en-US" b="0" dirty="0" smtClean="0">
+                <a:solidFill>
+                  <a:schemeClr val="tx1"/>
+                </a:solidFill>
+              </a:rPr>
+              <a:t>field is not mandatory and it can be left empty.</a:t>
+            </a:r>
+          </a:p>
+          <a:p>
+            <a:pPr>
+              <a:buFont typeface="Wingdings" panose="05000000000000000000" pitchFamily="2" charset="2"/>
+              <a:buChar char="Ø"/>
+            </a:pPr>
+            <a:r>
+              <a:rPr lang="en-US" b="0" dirty="0" smtClean="0">
+                <a:solidFill>
+                  <a:schemeClr val="tx1"/>
+                </a:solidFill>
+              </a:rPr>
+              <a:t>Secret question is not validated and asks for answer in mandatory</a:t>
+            </a:r>
+            <a:r>
+              <a:rPr lang="en-US" b="0" dirty="0">
+                <a:solidFill>
+                  <a:schemeClr val="tx1"/>
+                </a:solidFill>
+              </a:rPr>
+              <a:t>.</a:t>
+            </a:r>
+            <a:endParaRPr lang="en-US" b="0" dirty="0" smtClean="0">
               <a:solidFill>
                 <a:schemeClr val="tx1"/>
               </a:solidFill>
@@ -39521,50 +40731,6 @@
                 </a:solidFill>
               </a:rPr>
               <a:t>The account holder is not able to scroll the select bar for selecting select question.</a:t>
-            </a:r>
-          </a:p>
-          <a:p>
-            <a:pPr>
-              <a:buFont typeface="Wingdings" panose="05000000000000000000" pitchFamily="2" charset="2"/>
-              <a:buChar char="Ø"/>
-            </a:pPr>
-            <a:r>
-              <a:rPr lang="en-US" b="0" dirty="0">
-                <a:solidFill>
-                  <a:schemeClr val="tx1"/>
-                </a:solidFill>
-              </a:rPr>
-              <a:t>The account holder is able to register by clicking register button if fields are not </a:t>
-            </a:r>
-            <a:r>
-              <a:rPr lang="en-US" b="0" dirty="0" smtClean="0">
-                <a:solidFill>
-                  <a:schemeClr val="tx1"/>
-                </a:solidFill>
-              </a:rPr>
-              <a:t>entered.</a:t>
-            </a:r>
-          </a:p>
-          <a:p>
-            <a:pPr>
-              <a:buFont typeface="Wingdings" panose="05000000000000000000" pitchFamily="2" charset="2"/>
-              <a:buChar char="Ø"/>
-            </a:pPr>
-            <a:r>
-              <a:rPr lang="en-US" b="0" dirty="0">
-                <a:solidFill>
-                  <a:schemeClr val="tx1"/>
-                </a:solidFill>
-              </a:rPr>
-              <a:t>The account holder is not able to scroll the select month bar to select the </a:t>
-            </a:r>
-            <a:r>
-              <a:rPr lang="en-US" b="0" dirty="0" smtClean="0">
-                <a:solidFill>
-                  <a:schemeClr val="tx1"/>
-                </a:solidFill>
-              </a:rPr>
-              <a:t>month.</a:t>
             </a:r>
           </a:p>
           <a:p>
@@ -39821,6 +40987,601 @@
           <a:bodyPr/>
           <a:lstStyle/>
           <a:p>
+            <a:r>
+              <a:rPr lang="en-US" dirty="0" smtClean="0"/>
+              <a:t>Defect snapshots: User Name</a:t>
+            </a:r>
+            <a:endParaRPr lang="en-US" dirty="0"/>
+          </a:p>
+        </p:txBody>
+      </p:sp>
+      <p:pic>
+        <p:nvPicPr>
+          <p:cNvPr id="5" name="Content Placeholder 4"/>
+          <p:cNvPicPr>
+            <a:picLocks noGrp="1" noChangeAspect="1"/>
+          </p:cNvPicPr>
+          <p:nvPr>
+            <p:ph idx="1"/>
+          </p:nvPr>
+        </p:nvPicPr>
+        <p:blipFill>
+          <a:blip r:embed="rId2">
+            <a:extLst>
+              <a:ext uri="{28A0092B-C50C-407E-A947-70E740481C1C}">
+                <a14:useLocalDpi xmlns:a14="http://schemas.microsoft.com/office/drawing/2010/main" val="0"/>
+              </a:ext>
+            </a:extLst>
+          </a:blip>
+          <a:stretch>
+            <a:fillRect/>
+          </a:stretch>
+        </p:blipFill>
+        <p:spPr>
+          <a:xfrm>
+            <a:off x="457200" y="1968923"/>
+            <a:ext cx="8229600" cy="3788516"/>
+          </a:xfrm>
+        </p:spPr>
+      </p:pic>
+      <p:sp>
+        <p:nvSpPr>
+          <p:cNvPr id="4" name="Footer Placeholder 3"/>
+          <p:cNvSpPr>
+            <a:spLocks noGrp="1"/>
+          </p:cNvSpPr>
+          <p:nvPr>
+            <p:ph type="ftr" sz="quarter" idx="11"/>
+          </p:nvPr>
+        </p:nvSpPr>
+        <p:spPr/>
+        <p:txBody>
+          <a:bodyPr/>
+          <a:lstStyle/>
+          <a:p>
+            <a:r>
+              <a:rPr lang="en-US" smtClean="0">
+                <a:solidFill>
+                  <a:prstClr val="black"/>
+                </a:solidFill>
+              </a:rPr>
+              <a:t>IGATE Sensitive</a:t>
+            </a:r>
+            <a:endParaRPr lang="en-US" dirty="0">
+              <a:solidFill>
+                <a:prstClr val="black"/>
+              </a:solidFill>
+            </a:endParaRPr>
+          </a:p>
+        </p:txBody>
+      </p:sp>
+    </p:spTree>
+    <p:extLst>
+      <p:ext uri="{BB962C8B-B14F-4D97-AF65-F5344CB8AC3E}">
+        <p14:creationId xmlns:p14="http://schemas.microsoft.com/office/powerpoint/2010/main" val="2047562543"/>
+      </p:ext>
+    </p:extLst>
+  </p:cSld>
+  <p:clrMapOvr>
+    <a:masterClrMapping/>
+  </p:clrMapOvr>
+</p:sld>
+</file>
+
+<file path=ppt/slides/slide19.xml><?xml version="1.0" encoding="utf-8"?>
+<p:sld xmlns:a="http://schemas.openxmlformats.org/drawingml/2006/main" xmlns:r="http://schemas.openxmlformats.org/officeDocument/2006/relationships" xmlns:p="http://schemas.openxmlformats.org/presentationml/2006/main">
+  <p:cSld>
+    <p:spTree>
+      <p:nvGrpSpPr>
+        <p:cNvPr id="1" name=""/>
+        <p:cNvGrpSpPr/>
+        <p:nvPr/>
+      </p:nvGrpSpPr>
+      <p:grpSpPr>
+        <a:xfrm>
+          <a:off x="0" y="0"/>
+          <a:ext cx="0" cy="0"/>
+          <a:chOff x="0" y="0"/>
+          <a:chExt cx="0" cy="0"/>
+        </a:xfrm>
+      </p:grpSpPr>
+      <p:sp>
+        <p:nvSpPr>
+          <p:cNvPr id="2" name="Title 1"/>
+          <p:cNvSpPr>
+            <a:spLocks noGrp="1"/>
+          </p:cNvSpPr>
+          <p:nvPr>
+            <p:ph type="title"/>
+          </p:nvPr>
+        </p:nvSpPr>
+        <p:spPr/>
+        <p:txBody>
+          <a:bodyPr>
+            <a:normAutofit fontScale="90000"/>
+          </a:bodyPr>
+          <a:lstStyle/>
+          <a:p>
+            <a:pPr algn="ctr"/>
+            <a:r>
+              <a:rPr lang="en-US" dirty="0" smtClean="0"/>
+              <a:t>Contd.</a:t>
+            </a:r>
+            <a:br>
+              <a:rPr lang="en-US" dirty="0" smtClean="0"/>
+            </a:br>
+            <a:r>
+              <a:rPr lang="en-US" dirty="0" smtClean="0"/>
+              <a:t>PAN Defect</a:t>
+            </a:r>
+            <a:endParaRPr lang="en-US" dirty="0"/>
+          </a:p>
+        </p:txBody>
+      </p:sp>
+      <p:pic>
+        <p:nvPicPr>
+          <p:cNvPr id="5" name="Content Placeholder 4"/>
+          <p:cNvPicPr>
+            <a:picLocks noGrp="1" noChangeAspect="1"/>
+          </p:cNvPicPr>
+          <p:nvPr>
+            <p:ph idx="1"/>
+          </p:nvPr>
+        </p:nvPicPr>
+        <p:blipFill>
+          <a:blip r:embed="rId2">
+            <a:extLst>
+              <a:ext uri="{28A0092B-C50C-407E-A947-70E740481C1C}">
+                <a14:useLocalDpi xmlns:a14="http://schemas.microsoft.com/office/drawing/2010/main" val="0"/>
+              </a:ext>
+            </a:extLst>
+          </a:blip>
+          <a:stretch>
+            <a:fillRect/>
+          </a:stretch>
+        </p:blipFill>
+        <p:spPr>
+          <a:xfrm>
+            <a:off x="609600" y="2514600"/>
+            <a:ext cx="8229600" cy="3864493"/>
+          </a:xfrm>
+        </p:spPr>
+      </p:pic>
+      <p:sp>
+        <p:nvSpPr>
+          <p:cNvPr id="4" name="Footer Placeholder 3"/>
+          <p:cNvSpPr>
+            <a:spLocks noGrp="1"/>
+          </p:cNvSpPr>
+          <p:nvPr>
+            <p:ph type="ftr" sz="quarter" idx="11"/>
+          </p:nvPr>
+        </p:nvSpPr>
+        <p:spPr/>
+        <p:txBody>
+          <a:bodyPr/>
+          <a:lstStyle/>
+          <a:p>
+            <a:r>
+              <a:rPr lang="en-US" smtClean="0">
+                <a:solidFill>
+                  <a:prstClr val="black"/>
+                </a:solidFill>
+              </a:rPr>
+              <a:t>IGATE Sensitive</a:t>
+            </a:r>
+            <a:endParaRPr lang="en-US" dirty="0">
+              <a:solidFill>
+                <a:prstClr val="black"/>
+              </a:solidFill>
+            </a:endParaRPr>
+          </a:p>
+        </p:txBody>
+      </p:sp>
+    </p:spTree>
+    <p:extLst>
+      <p:ext uri="{BB962C8B-B14F-4D97-AF65-F5344CB8AC3E}">
+        <p14:creationId xmlns:p14="http://schemas.microsoft.com/office/powerpoint/2010/main" val="3221334042"/>
+      </p:ext>
+    </p:extLst>
+  </p:cSld>
+  <p:clrMapOvr>
+    <a:masterClrMapping/>
+  </p:clrMapOvr>
+</p:sld>
+</file>
+
+<file path=ppt/slides/slide2.xml><?xml version="1.0" encoding="utf-8"?>
+<p:sld xmlns:a="http://schemas.openxmlformats.org/drawingml/2006/main" xmlns:r="http://schemas.openxmlformats.org/officeDocument/2006/relationships" xmlns:p="http://schemas.openxmlformats.org/presentationml/2006/main">
+  <p:cSld>
+    <p:spTree>
+      <p:nvGrpSpPr>
+        <p:cNvPr id="1" name=""/>
+        <p:cNvGrpSpPr/>
+        <p:nvPr/>
+      </p:nvGrpSpPr>
+      <p:grpSpPr>
+        <a:xfrm>
+          <a:off x="0" y="0"/>
+          <a:ext cx="0" cy="0"/>
+          <a:chOff x="0" y="0"/>
+          <a:chExt cx="0" cy="0"/>
+        </a:xfrm>
+      </p:grpSpPr>
+      <p:sp>
+        <p:nvSpPr>
+          <p:cNvPr id="3" name="Title 2"/>
+          <p:cNvSpPr>
+            <a:spLocks noGrp="1"/>
+          </p:cNvSpPr>
+          <p:nvPr>
+            <p:ph type="title"/>
+          </p:nvPr>
+        </p:nvSpPr>
+        <p:spPr/>
+        <p:txBody>
+          <a:bodyPr>
+            <a:normAutofit/>
+          </a:bodyPr>
+          <a:lstStyle/>
+          <a:p>
+            <a:pPr algn="ctr"/>
+            <a:r>
+              <a:rPr lang="en-US" sz="3200" b="1" dirty="0">
+                <a:latin typeface="Times New Roman" panose="02020603050405020304" pitchFamily="18" charset="0"/>
+                <a:cs typeface="Times New Roman" panose="02020603050405020304" pitchFamily="18" charset="0"/>
+              </a:rPr>
+              <a:t>TEAM MEMBERS</a:t>
+            </a:r>
+            <a:endParaRPr lang="en-IN" sz="3200" b="1" dirty="0">
+              <a:latin typeface="Times New Roman" panose="02020603050405020304" pitchFamily="18" charset="0"/>
+              <a:cs typeface="Times New Roman" panose="02020603050405020304" pitchFamily="18" charset="0"/>
+            </a:endParaRPr>
+          </a:p>
+        </p:txBody>
+      </p:sp>
+      <p:sp>
+        <p:nvSpPr>
+          <p:cNvPr id="4" name="Content Placeholder 3"/>
+          <p:cNvSpPr>
+            <a:spLocks noGrp="1"/>
+          </p:cNvSpPr>
+          <p:nvPr>
+            <p:ph idx="1"/>
+          </p:nvPr>
+        </p:nvSpPr>
+        <p:spPr/>
+        <p:txBody>
+          <a:bodyPr/>
+          <a:lstStyle/>
+          <a:p>
+            <a:pPr>
+              <a:lnSpc>
+                <a:spcPct val="200000"/>
+              </a:lnSpc>
+            </a:pPr>
+            <a:r>
+              <a:rPr lang="en-IN" dirty="0" smtClean="0">
+                <a:solidFill>
+                  <a:schemeClr val="tx1"/>
+                </a:solidFill>
+              </a:rPr>
+              <a:t>R . </a:t>
+            </a:r>
+            <a:r>
+              <a:rPr lang="en-IN" dirty="0" smtClean="0">
+                <a:solidFill>
+                  <a:schemeClr val="tx1"/>
+                </a:solidFill>
+              </a:rPr>
+              <a:t>SARULATHA (150943)</a:t>
+            </a:r>
+            <a:endParaRPr lang="en-IN" dirty="0" smtClean="0">
+              <a:solidFill>
+                <a:schemeClr val="tx1"/>
+              </a:solidFill>
+            </a:endParaRPr>
+          </a:p>
+          <a:p>
+            <a:pPr>
+              <a:lnSpc>
+                <a:spcPct val="200000"/>
+              </a:lnSpc>
+            </a:pPr>
+            <a:r>
+              <a:rPr lang="en-IN" dirty="0">
+                <a:solidFill>
+                  <a:schemeClr val="tx1"/>
+                </a:solidFill>
+              </a:rPr>
+              <a:t>JAHNAVI </a:t>
+            </a:r>
+            <a:r>
+              <a:rPr lang="en-IN">
+                <a:solidFill>
+                  <a:schemeClr val="tx1"/>
+                </a:solidFill>
+              </a:rPr>
+              <a:t>KANTHAMNENI </a:t>
+            </a:r>
+            <a:r>
+              <a:rPr lang="en-IN" smtClean="0">
+                <a:solidFill>
+                  <a:schemeClr val="tx1"/>
+                </a:solidFill>
+              </a:rPr>
+              <a:t>(150763)</a:t>
+            </a:r>
+            <a:endParaRPr lang="en-IN" dirty="0" smtClean="0">
+              <a:solidFill>
+                <a:schemeClr val="tx1"/>
+              </a:solidFill>
+            </a:endParaRPr>
+          </a:p>
+          <a:p>
+            <a:pPr>
+              <a:lnSpc>
+                <a:spcPct val="200000"/>
+              </a:lnSpc>
+            </a:pPr>
+            <a:r>
+              <a:rPr lang="en-IN" dirty="0" smtClean="0">
+                <a:solidFill>
+                  <a:schemeClr val="tx1"/>
+                </a:solidFill>
+              </a:rPr>
+              <a:t>KUNCHA </a:t>
+            </a:r>
+            <a:r>
+              <a:rPr lang="en-IN" dirty="0" smtClean="0">
+                <a:solidFill>
+                  <a:schemeClr val="tx1"/>
+                </a:solidFill>
+              </a:rPr>
+              <a:t>SWATHI (150782)</a:t>
+            </a:r>
+            <a:endParaRPr lang="en-IN" dirty="0" smtClean="0">
+              <a:solidFill>
+                <a:schemeClr val="tx1"/>
+              </a:solidFill>
+            </a:endParaRPr>
+          </a:p>
+          <a:p>
+            <a:pPr>
+              <a:lnSpc>
+                <a:spcPct val="200000"/>
+              </a:lnSpc>
+            </a:pPr>
+            <a:r>
+              <a:rPr lang="en-IN" dirty="0" smtClean="0">
+                <a:solidFill>
+                  <a:schemeClr val="tx1"/>
+                </a:solidFill>
+              </a:rPr>
+              <a:t>UDDARAJU </a:t>
+            </a:r>
+            <a:r>
+              <a:rPr lang="en-IN" dirty="0" smtClean="0">
+                <a:solidFill>
+                  <a:schemeClr val="tx1"/>
+                </a:solidFill>
+              </a:rPr>
+              <a:t>GEETHIKA (150757)</a:t>
+            </a:r>
+            <a:endParaRPr lang="en-IN" dirty="0" smtClean="0">
+              <a:solidFill>
+                <a:schemeClr val="tx1"/>
+              </a:solidFill>
+            </a:endParaRPr>
+          </a:p>
+          <a:p>
+            <a:pPr>
+              <a:lnSpc>
+                <a:spcPct val="200000"/>
+              </a:lnSpc>
+            </a:pPr>
+            <a:r>
+              <a:rPr lang="en-IN" dirty="0" smtClean="0">
+                <a:solidFill>
+                  <a:schemeClr val="tx1"/>
+                </a:solidFill>
+              </a:rPr>
+              <a:t>VANDANAPU </a:t>
+            </a:r>
+            <a:r>
+              <a:rPr lang="en-IN" dirty="0" smtClean="0">
+                <a:solidFill>
+                  <a:schemeClr val="tx1"/>
+                </a:solidFill>
+              </a:rPr>
+              <a:t>BHAVYA (150760)</a:t>
+            </a:r>
+            <a:endParaRPr lang="en-IN" dirty="0" smtClean="0">
+              <a:solidFill>
+                <a:schemeClr val="tx1"/>
+              </a:solidFill>
+            </a:endParaRPr>
+          </a:p>
+        </p:txBody>
+      </p:sp>
+    </p:spTree>
+    <p:extLst>
+      <p:ext uri="{BB962C8B-B14F-4D97-AF65-F5344CB8AC3E}">
+        <p14:creationId xmlns:p14="http://schemas.microsoft.com/office/powerpoint/2010/main" val="2749129290"/>
+      </p:ext>
+    </p:extLst>
+  </p:cSld>
+  <p:clrMapOvr>
+    <a:masterClrMapping/>
+  </p:clrMapOvr>
+  <p:transition spd="slow">
+    <p:push dir="u"/>
+  </p:transition>
+  <p:timing>
+    <p:tnLst>
+      <p:par>
+        <p:cTn id="1" dur="indefinite" restart="never" nodeType="tmRoot"/>
+      </p:par>
+    </p:tnLst>
+  </p:timing>
+</p:sld>
+</file>
+
+<file path=ppt/slides/slide20.xml><?xml version="1.0" encoding="utf-8"?>
+<p:sld xmlns:a="http://schemas.openxmlformats.org/drawingml/2006/main" xmlns:r="http://schemas.openxmlformats.org/officeDocument/2006/relationships" xmlns:p="http://schemas.openxmlformats.org/presentationml/2006/main">
+  <p:cSld>
+    <p:spTree>
+      <p:nvGrpSpPr>
+        <p:cNvPr id="1" name=""/>
+        <p:cNvGrpSpPr/>
+        <p:nvPr/>
+      </p:nvGrpSpPr>
+      <p:grpSpPr>
+        <a:xfrm>
+          <a:off x="0" y="0"/>
+          <a:ext cx="0" cy="0"/>
+          <a:chOff x="0" y="0"/>
+          <a:chExt cx="0" cy="0"/>
+        </a:xfrm>
+      </p:grpSpPr>
+      <p:sp>
+        <p:nvSpPr>
+          <p:cNvPr id="2" name="Title 1"/>
+          <p:cNvSpPr>
+            <a:spLocks noGrp="1"/>
+          </p:cNvSpPr>
+          <p:nvPr>
+            <p:ph type="title"/>
+          </p:nvPr>
+        </p:nvSpPr>
+        <p:spPr/>
+        <p:txBody>
+          <a:bodyPr>
+            <a:normAutofit fontScale="90000"/>
+          </a:bodyPr>
+          <a:lstStyle/>
+          <a:p>
+            <a:pPr algn="ctr"/>
+            <a:r>
+              <a:rPr lang="en-US" dirty="0" smtClean="0"/>
+              <a:t>Contd.</a:t>
+            </a:r>
+            <a:br>
+              <a:rPr lang="en-US" dirty="0" smtClean="0"/>
+            </a:br>
+            <a:r>
+              <a:rPr lang="en-US" dirty="0" smtClean="0"/>
+              <a:t>Email Defect</a:t>
+            </a:r>
+            <a:endParaRPr lang="en-US" dirty="0"/>
+          </a:p>
+        </p:txBody>
+      </p:sp>
+      <p:pic>
+        <p:nvPicPr>
+          <p:cNvPr id="5" name="Content Placeholder 4"/>
+          <p:cNvPicPr>
+            <a:picLocks noGrp="1" noChangeAspect="1"/>
+          </p:cNvPicPr>
+          <p:nvPr>
+            <p:ph idx="1"/>
+          </p:nvPr>
+        </p:nvPicPr>
+        <p:blipFill>
+          <a:blip r:embed="rId2">
+            <a:extLst>
+              <a:ext uri="{28A0092B-C50C-407E-A947-70E740481C1C}">
+                <a14:useLocalDpi xmlns:a14="http://schemas.microsoft.com/office/drawing/2010/main" val="0"/>
+              </a:ext>
+            </a:extLst>
+          </a:blip>
+          <a:stretch>
+            <a:fillRect/>
+          </a:stretch>
+        </p:blipFill>
+        <p:spPr>
+          <a:xfrm>
+            <a:off x="457200" y="1912620"/>
+            <a:ext cx="8229600" cy="3901123"/>
+          </a:xfrm>
+        </p:spPr>
+      </p:pic>
+      <p:sp>
+        <p:nvSpPr>
+          <p:cNvPr id="4" name="Footer Placeholder 3"/>
+          <p:cNvSpPr>
+            <a:spLocks noGrp="1"/>
+          </p:cNvSpPr>
+          <p:nvPr>
+            <p:ph type="ftr" sz="quarter" idx="11"/>
+          </p:nvPr>
+        </p:nvSpPr>
+        <p:spPr/>
+        <p:txBody>
+          <a:bodyPr/>
+          <a:lstStyle/>
+          <a:p>
+            <a:r>
+              <a:rPr lang="en-US" smtClean="0">
+                <a:solidFill>
+                  <a:prstClr val="black"/>
+                </a:solidFill>
+              </a:rPr>
+              <a:t>IGATE Sensitive</a:t>
+            </a:r>
+            <a:endParaRPr lang="en-US" dirty="0">
+              <a:solidFill>
+                <a:prstClr val="black"/>
+              </a:solidFill>
+            </a:endParaRPr>
+          </a:p>
+        </p:txBody>
+      </p:sp>
+    </p:spTree>
+    <p:extLst>
+      <p:ext uri="{BB962C8B-B14F-4D97-AF65-F5344CB8AC3E}">
+        <p14:creationId xmlns:p14="http://schemas.microsoft.com/office/powerpoint/2010/main" val="684168547"/>
+      </p:ext>
+    </p:extLst>
+  </p:cSld>
+  <p:clrMapOvr>
+    <a:masterClrMapping/>
+  </p:clrMapOvr>
+</p:sld>
+</file>
+
+<file path=ppt/slides/slide21.xml><?xml version="1.0" encoding="utf-8"?>
+<p:sld xmlns:a="http://schemas.openxmlformats.org/drawingml/2006/main" xmlns:r="http://schemas.openxmlformats.org/officeDocument/2006/relationships" xmlns:p="http://schemas.openxmlformats.org/presentationml/2006/main">
+  <p:cSld>
+    <p:spTree>
+      <p:nvGrpSpPr>
+        <p:cNvPr id="1" name=""/>
+        <p:cNvGrpSpPr/>
+        <p:nvPr/>
+      </p:nvGrpSpPr>
+      <p:grpSpPr>
+        <a:xfrm>
+          <a:off x="0" y="0"/>
+          <a:ext cx="0" cy="0"/>
+          <a:chOff x="0" y="0"/>
+          <a:chExt cx="0" cy="0"/>
+        </a:xfrm>
+      </p:grpSpPr>
+      <p:sp>
+        <p:nvSpPr>
+          <p:cNvPr id="2" name="Title 1"/>
+          <p:cNvSpPr>
+            <a:spLocks noGrp="1"/>
+          </p:cNvSpPr>
+          <p:nvPr>
+            <p:ph type="title"/>
+          </p:nvPr>
+        </p:nvSpPr>
+        <p:spPr/>
+        <p:txBody>
+          <a:bodyPr/>
+          <a:lstStyle/>
+          <a:p>
             <a:endParaRPr lang="en-US" dirty="0"/>
           </a:p>
         </p:txBody>
@@ -40017,7 +41778,7 @@
 </p:sld>
 </file>
 
-<file path=ppt/slides/slide19.xml><?xml version="1.0" encoding="utf-8"?>
+<file path=ppt/slides/slide22.xml><?xml version="1.0" encoding="utf-8"?>
 <p:sld xmlns:a="http://schemas.openxmlformats.org/drawingml/2006/main" xmlns:r="http://schemas.openxmlformats.org/officeDocument/2006/relationships" xmlns:p="http://schemas.openxmlformats.org/presentationml/2006/main">
   <p:cSld>
     <p:spTree>
@@ -40173,7 +41934,47 @@
                 <a:latin typeface="Times New Roman" pitchFamily="18" charset="0"/>
                 <a:cs typeface="Times New Roman" pitchFamily="18" charset="0"/>
               </a:rPr>
-              <a:t>		=(159*100)/200</a:t>
+              <a:t>		</a:t>
+            </a:r>
+            <a:r>
+              <a:rPr lang="en-US" sz="2400" b="0" dirty="0" smtClean="0">
+                <a:solidFill>
+                  <a:schemeClr val="tx1"/>
+                </a:solidFill>
+                <a:latin typeface="Times New Roman" pitchFamily="18" charset="0"/>
+                <a:cs typeface="Times New Roman" pitchFamily="18" charset="0"/>
+              </a:rPr>
+              <a:t>=(</a:t>
+            </a:r>
+            <a:r>
+              <a:rPr lang="en-US" sz="2400" b="0" dirty="0" smtClean="0">
+                <a:solidFill>
+                  <a:schemeClr val="tx1"/>
+                </a:solidFill>
+                <a:latin typeface="Times New Roman" pitchFamily="18" charset="0"/>
+                <a:cs typeface="Times New Roman" pitchFamily="18" charset="0"/>
+              </a:rPr>
+              <a:t>93</a:t>
+            </a:r>
+            <a:r>
+              <a:rPr lang="en-US" sz="2400" b="0" dirty="0" smtClean="0">
+                <a:solidFill>
+                  <a:schemeClr val="tx1"/>
+                </a:solidFill>
+                <a:latin typeface="Times New Roman" pitchFamily="18" charset="0"/>
+                <a:cs typeface="Times New Roman" pitchFamily="18" charset="0"/>
+              </a:rPr>
+              <a:t>*100</a:t>
+            </a:r>
+            <a:r>
+              <a:rPr lang="en-US" sz="2400" b="0" dirty="0" smtClean="0">
+                <a:solidFill>
+                  <a:schemeClr val="tx1"/>
+                </a:solidFill>
+                <a:latin typeface="Times New Roman" pitchFamily="18" charset="0"/>
+                <a:cs typeface="Times New Roman" pitchFamily="18" charset="0"/>
+              </a:rPr>
+              <a:t>)/200</a:t>
             </a:r>
           </a:p>
           <a:p>
@@ -40198,7 +41999,17 @@
                 <a:latin typeface="Times New Roman" pitchFamily="18" charset="0"/>
                 <a:cs typeface="Times New Roman" pitchFamily="18" charset="0"/>
               </a:rPr>
-              <a:t>	=79.5</a:t>
+              <a:t>	</a:t>
+            </a:r>
+            <a:r>
+              <a:rPr lang="en-US" sz="2400" b="0" dirty="0" smtClean="0">
+                <a:solidFill>
+                  <a:schemeClr val="tx1"/>
+                </a:solidFill>
+                <a:latin typeface="Times New Roman" pitchFamily="18" charset="0"/>
+                <a:cs typeface="Times New Roman" pitchFamily="18" charset="0"/>
+              </a:rPr>
+              <a:t>=68</a:t>
             </a:r>
             <a:endParaRPr lang="en-US" sz="2400" b="0" dirty="0">
               <a:solidFill>
@@ -40233,191 +42044,7 @@
 </p:sld>
 </file>
 
-<file path=ppt/slides/slide2.xml><?xml version="1.0" encoding="utf-8"?>
-<p:sld xmlns:a="http://schemas.openxmlformats.org/drawingml/2006/main" xmlns:r="http://schemas.openxmlformats.org/officeDocument/2006/relationships" xmlns:p="http://schemas.openxmlformats.org/presentationml/2006/main">
-  <p:cSld>
-    <p:spTree>
-      <p:nvGrpSpPr>
-        <p:cNvPr id="1" name=""/>
-        <p:cNvGrpSpPr/>
-        <p:nvPr/>
-      </p:nvGrpSpPr>
-      <p:grpSpPr>
-        <a:xfrm>
-          <a:off x="0" y="0"/>
-          <a:ext cx="0" cy="0"/>
-          <a:chOff x="0" y="0"/>
-          <a:chExt cx="0" cy="0"/>
-        </a:xfrm>
-      </p:grpSpPr>
-      <p:sp>
-        <p:nvSpPr>
-          <p:cNvPr id="3" name="Title 2"/>
-          <p:cNvSpPr>
-            <a:spLocks noGrp="1"/>
-          </p:cNvSpPr>
-          <p:nvPr>
-            <p:ph type="title"/>
-          </p:nvPr>
-        </p:nvSpPr>
-        <p:spPr/>
-        <p:txBody>
-          <a:bodyPr>
-            <a:normAutofit/>
-          </a:bodyPr>
-          <a:lstStyle/>
-          <a:p>
-            <a:pPr algn="ctr"/>
-            <a:r>
-              <a:rPr lang="en-US" sz="3200" b="1" dirty="0">
-                <a:latin typeface="Times New Roman" panose="02020603050405020304" pitchFamily="18" charset="0"/>
-                <a:cs typeface="Times New Roman" panose="02020603050405020304" pitchFamily="18" charset="0"/>
-              </a:rPr>
-              <a:t>TEAM MEMBERS</a:t>
-            </a:r>
-            <a:endParaRPr lang="en-IN" sz="3200" b="1" dirty="0">
-              <a:latin typeface="Times New Roman" panose="02020603050405020304" pitchFamily="18" charset="0"/>
-              <a:cs typeface="Times New Roman" panose="02020603050405020304" pitchFamily="18" charset="0"/>
-            </a:endParaRPr>
-          </a:p>
-        </p:txBody>
-      </p:sp>
-      <p:sp>
-        <p:nvSpPr>
-          <p:cNvPr id="4" name="Content Placeholder 3"/>
-          <p:cNvSpPr>
-            <a:spLocks noGrp="1"/>
-          </p:cNvSpPr>
-          <p:nvPr>
-            <p:ph idx="1"/>
-          </p:nvPr>
-        </p:nvSpPr>
-        <p:spPr/>
-        <p:txBody>
-          <a:bodyPr/>
-          <a:lstStyle/>
-          <a:p>
-            <a:pPr>
-              <a:lnSpc>
-                <a:spcPct val="200000"/>
-              </a:lnSpc>
-            </a:pPr>
-            <a:r>
-              <a:rPr lang="en-IN" dirty="0" smtClean="0">
-                <a:solidFill>
-                  <a:schemeClr val="tx1"/>
-                </a:solidFill>
-              </a:rPr>
-              <a:t>R . </a:t>
-            </a:r>
-            <a:r>
-              <a:rPr lang="en-IN" dirty="0">
-                <a:solidFill>
-                  <a:schemeClr val="tx1"/>
-                </a:solidFill>
-              </a:rPr>
-              <a:t>SARU </a:t>
-            </a:r>
-            <a:r>
-              <a:rPr lang="en-IN" dirty="0" smtClean="0">
-                <a:solidFill>
-                  <a:schemeClr val="tx1"/>
-                </a:solidFill>
-              </a:rPr>
-              <a:t>LATHA</a:t>
-            </a:r>
-          </a:p>
-          <a:p>
-            <a:pPr>
-              <a:lnSpc>
-                <a:spcPct val="200000"/>
-              </a:lnSpc>
-            </a:pPr>
-            <a:r>
-              <a:rPr lang="en-IN" dirty="0">
-                <a:solidFill>
-                  <a:schemeClr val="tx1"/>
-                </a:solidFill>
-              </a:rPr>
-              <a:t>JAHNAVI KANTHAMNENI </a:t>
-            </a:r>
-            <a:endParaRPr lang="en-IN" dirty="0" smtClean="0">
-              <a:solidFill>
-                <a:schemeClr val="tx1"/>
-              </a:solidFill>
-            </a:endParaRPr>
-          </a:p>
-          <a:p>
-            <a:pPr>
-              <a:lnSpc>
-                <a:spcPct val="200000"/>
-              </a:lnSpc>
-            </a:pPr>
-            <a:r>
-              <a:rPr lang="en-IN" dirty="0" smtClean="0">
-                <a:solidFill>
-                  <a:schemeClr val="tx1"/>
-                </a:solidFill>
-              </a:rPr>
-              <a:t>KUNCHA SWATHI</a:t>
-            </a:r>
-          </a:p>
-          <a:p>
-            <a:pPr>
-              <a:lnSpc>
-                <a:spcPct val="200000"/>
-              </a:lnSpc>
-            </a:pPr>
-            <a:r>
-              <a:rPr lang="en-IN" dirty="0" smtClean="0">
-                <a:solidFill>
-                  <a:schemeClr val="tx1"/>
-                </a:solidFill>
-              </a:rPr>
-              <a:t>UDDARAJU GEETHIKA</a:t>
-            </a:r>
-          </a:p>
-          <a:p>
-            <a:pPr>
-              <a:lnSpc>
-                <a:spcPct val="200000"/>
-              </a:lnSpc>
-            </a:pPr>
-            <a:r>
-              <a:rPr lang="en-IN" dirty="0" smtClean="0">
-                <a:solidFill>
-                  <a:schemeClr val="tx1"/>
-                </a:solidFill>
-              </a:rPr>
-              <a:t>VANDANAPU BHAVYA</a:t>
-            </a:r>
-          </a:p>
-        </p:txBody>
-      </p:sp>
-    </p:spTree>
-    <p:extLst>
-      <p:ext uri="{BB962C8B-B14F-4D97-AF65-F5344CB8AC3E}">
-        <p14:creationId xmlns:p14="http://schemas.microsoft.com/office/powerpoint/2010/main" val="2749129290"/>
-      </p:ext>
-    </p:extLst>
-  </p:cSld>
-  <p:clrMapOvr>
-    <a:masterClrMapping/>
-  </p:clrMapOvr>
-  <p:transition spd="slow">
-    <p:push dir="u"/>
-  </p:transition>
-  <p:timing>
-    <p:tnLst>
-      <p:par>
-        <p:cTn id="1" dur="indefinite" restart="never" nodeType="tmRoot"/>
-      </p:par>
-    </p:tnLst>
-  </p:timing>
-</p:sld>
-</file>
-
-<file path=ppt/slides/slide20.xml><?xml version="1.0" encoding="utf-8"?>
+<file path=ppt/slides/slide23.xml><?xml version="1.0" encoding="utf-8"?>
 <p:sld xmlns:a="http://schemas.openxmlformats.org/drawingml/2006/main" xmlns:r="http://schemas.openxmlformats.org/officeDocument/2006/relationships" xmlns:p="http://schemas.openxmlformats.org/presentationml/2006/main">
   <p:cSld>
     <p:spTree>
@@ -40577,7 +42204,15 @@
                   <a:schemeClr val="tx1"/>
                 </a:solidFill>
               </a:rPr>
-              <a:t>=(53*100)/70</a:t>
+              <a:t>=(49*100</a:t>
+            </a:r>
+            <a:r>
+              <a:rPr lang="en-US" sz="1800" dirty="0" smtClean="0">
+                <a:solidFill>
+                  <a:schemeClr val="tx1"/>
+                </a:solidFill>
+              </a:rPr>
+              <a:t>)/70</a:t>
             </a:r>
           </a:p>
           <a:p>
@@ -40596,8 +42231,13 @@
                   <a:schemeClr val="tx1"/>
                 </a:solidFill>
               </a:rPr>
-              <a:t>=75.71</a:t>
+              <a:t>=70</a:t>
             </a:r>
+            <a:endParaRPr lang="en-US" sz="1800" b="0" dirty="0" smtClean="0">
+              <a:solidFill>
+                <a:schemeClr val="tx1"/>
+              </a:solidFill>
+            </a:endParaRPr>
           </a:p>
           <a:p>
             <a:pPr marL="342900" indent="-342900" algn="l">
@@ -40637,7 +42277,7 @@
 </p:sld>
 </file>
 
-<file path=ppt/slides/slide21.xml><?xml version="1.0" encoding="utf-8"?>
+<file path=ppt/slides/slide24.xml><?xml version="1.0" encoding="utf-8"?>
 <p:sld xmlns:a="http://schemas.openxmlformats.org/drawingml/2006/main" xmlns:r="http://schemas.openxmlformats.org/officeDocument/2006/relationships" xmlns:p="http://schemas.openxmlformats.org/presentationml/2006/main">
   <p:cSld>
     <p:spTree>
@@ -40724,8 +42364,25 @@
                 <a:latin typeface="Times New Roman" pitchFamily="18" charset="0"/>
                 <a:cs typeface="Times New Roman" pitchFamily="18" charset="0"/>
               </a:rPr>
-              <a:t>Number of Test Cases			= 159</a:t>
+              <a:t>Number of Test Cases			= </a:t>
             </a:r>
+            <a:r>
+              <a:rPr lang="en-US" sz="2400" b="0" dirty="0" smtClean="0">
+                <a:solidFill>
+                  <a:schemeClr val="tx1"/>
+                </a:solidFill>
+                <a:latin typeface="Times New Roman" pitchFamily="18" charset="0"/>
+                <a:cs typeface="Times New Roman" pitchFamily="18" charset="0"/>
+              </a:rPr>
+              <a:t>93</a:t>
+            </a:r>
+            <a:endParaRPr lang="en-US" sz="2400" b="0" dirty="0" smtClean="0">
+              <a:solidFill>
+                <a:schemeClr val="tx1"/>
+              </a:solidFill>
+              <a:latin typeface="Times New Roman" pitchFamily="18" charset="0"/>
+              <a:cs typeface="Times New Roman" pitchFamily="18" charset="0"/>
+            </a:endParaRPr>
           </a:p>
           <a:p>
             <a:pPr marL="0" indent="0">
@@ -40739,8 +42396,25 @@
                 <a:latin typeface="Times New Roman" pitchFamily="18" charset="0"/>
                 <a:cs typeface="Times New Roman" pitchFamily="18" charset="0"/>
               </a:rPr>
-              <a:t>Number of Test Cases Passed		= 106</a:t>
+              <a:t>Number of Test Cases Passed		= </a:t>
             </a:r>
+            <a:r>
+              <a:rPr lang="en-US" sz="2400" b="0" dirty="0" smtClean="0">
+                <a:solidFill>
+                  <a:schemeClr val="tx1"/>
+                </a:solidFill>
+                <a:latin typeface="Times New Roman" pitchFamily="18" charset="0"/>
+                <a:cs typeface="Times New Roman" pitchFamily="18" charset="0"/>
+              </a:rPr>
+              <a:t>32 </a:t>
+            </a:r>
+            <a:endParaRPr lang="en-US" sz="2400" b="0" dirty="0" smtClean="0">
+              <a:solidFill>
+                <a:schemeClr val="tx1"/>
+              </a:solidFill>
+              <a:latin typeface="Times New Roman" pitchFamily="18" charset="0"/>
+              <a:cs typeface="Times New Roman" pitchFamily="18" charset="0"/>
+            </a:endParaRPr>
           </a:p>
           <a:p>
             <a:pPr marL="0" indent="0">
@@ -40754,8 +42428,25 @@
                 <a:latin typeface="Times New Roman" pitchFamily="18" charset="0"/>
                 <a:cs typeface="Times New Roman" pitchFamily="18" charset="0"/>
               </a:rPr>
-              <a:t>Number of Test Cases Failed		= 53</a:t>
+              <a:t>Number of Test Cases Failed		= </a:t>
             </a:r>
+            <a:r>
+              <a:rPr lang="en-US" sz="2400" b="0" dirty="0" smtClean="0">
+                <a:solidFill>
+                  <a:schemeClr val="tx1"/>
+                </a:solidFill>
+                <a:latin typeface="Times New Roman" pitchFamily="18" charset="0"/>
+                <a:cs typeface="Times New Roman" pitchFamily="18" charset="0"/>
+              </a:rPr>
+              <a:t>61</a:t>
+            </a:r>
+            <a:endParaRPr lang="en-US" sz="2400" b="0" dirty="0" smtClean="0">
+              <a:solidFill>
+                <a:schemeClr val="tx1"/>
+              </a:solidFill>
+              <a:latin typeface="Times New Roman" pitchFamily="18" charset="0"/>
+              <a:cs typeface="Times New Roman" pitchFamily="18" charset="0"/>
+            </a:endParaRPr>
           </a:p>
           <a:p>
             <a:pPr marL="0" indent="0">
@@ -40789,8 +42480,25 @@
                 <a:latin typeface="Times New Roman" pitchFamily="18" charset="0"/>
                 <a:cs typeface="Times New Roman" pitchFamily="18" charset="0"/>
               </a:rPr>
-              <a:t>efects Logged		= 44</a:t>
+              <a:t>efects Logged		= </a:t>
             </a:r>
+            <a:r>
+              <a:rPr lang="en-US" sz="2400" b="0" dirty="0" smtClean="0">
+                <a:solidFill>
+                  <a:schemeClr val="tx1"/>
+                </a:solidFill>
+                <a:latin typeface="Times New Roman" pitchFamily="18" charset="0"/>
+                <a:cs typeface="Times New Roman" pitchFamily="18" charset="0"/>
+              </a:rPr>
+              <a:t>13</a:t>
+            </a:r>
+            <a:endParaRPr lang="en-US" sz="2400" b="0" dirty="0" smtClean="0">
+              <a:solidFill>
+                <a:schemeClr val="tx1"/>
+              </a:solidFill>
+              <a:latin typeface="Times New Roman" pitchFamily="18" charset="0"/>
+              <a:cs typeface="Times New Roman" pitchFamily="18" charset="0"/>
+            </a:endParaRPr>
           </a:p>
           <a:p>
             <a:pPr marL="0" indent="0">
@@ -40804,7 +42512,17 @@
                 <a:latin typeface="Times New Roman" pitchFamily="18" charset="0"/>
                 <a:cs typeface="Times New Roman" pitchFamily="18" charset="0"/>
               </a:rPr>
-              <a:t>Number of Use Cases			= 9</a:t>
+              <a:t>Number of Use Cases			= </a:t>
+            </a:r>
+            <a:r>
+              <a:rPr lang="en-US" sz="2400" b="0" dirty="0">
+                <a:solidFill>
+                  <a:schemeClr val="tx1"/>
+                </a:solidFill>
+                <a:latin typeface="Times New Roman" pitchFamily="18" charset="0"/>
+                <a:cs typeface="Times New Roman" pitchFamily="18" charset="0"/>
+              </a:rPr>
+              <a:t>9</a:t>
             </a:r>
             <a:endParaRPr lang="en-US" sz="2400" b="0" dirty="0">
               <a:solidFill>
@@ -40839,7 +42557,7 @@
 </p:sld>
 </file>
 
-<file path=ppt/slides/slide22.xml><?xml version="1.0" encoding="utf-8"?>
+<file path=ppt/slides/slide25.xml><?xml version="1.0" encoding="utf-8"?>
 <p:sld xmlns:a="http://schemas.openxmlformats.org/drawingml/2006/main" xmlns:r="http://schemas.openxmlformats.org/officeDocument/2006/relationships" xmlns:p="http://schemas.openxmlformats.org/presentationml/2006/main">
   <p:cSld>
     <p:spTree>
@@ -40890,7 +42608,7 @@
       </p:sp>
       <p:pic>
         <p:nvPicPr>
-          <p:cNvPr id="5" name="Content Placeholder 4"/>
+          <p:cNvPr id="6" name="Content Placeholder 5"/>
           <p:cNvPicPr>
             <a:picLocks noGrp="1" noChangeAspect="1"/>
           </p:cNvPicPr>
@@ -40912,8 +42630,8 @@
         </p:blipFill>
         <p:spPr>
           <a:xfrm>
-            <a:off x="381000" y="1143000"/>
-            <a:ext cx="8305800" cy="5181600"/>
+            <a:off x="609600" y="1371600"/>
+            <a:ext cx="8229600" cy="4965036"/>
           </a:xfrm>
         </p:spPr>
       </p:pic>
@@ -40949,7 +42667,7 @@
 </p:sld>
 </file>
 
-<file path=ppt/slides/slide23.xml><?xml version="1.0" encoding="utf-8"?>
+<file path=ppt/slides/slide26.xml><?xml version="1.0" encoding="utf-8"?>
 <p:sld xmlns:a="http://schemas.openxmlformats.org/drawingml/2006/main" xmlns:r="http://schemas.openxmlformats.org/officeDocument/2006/relationships" xmlns:p="http://schemas.openxmlformats.org/presentationml/2006/main">
   <p:cSld>
     <p:spTree>
@@ -41929,7 +43647,17 @@
           <a:p>
             <a:r>
               <a:rPr lang="en-US" sz="2800" dirty="0" smtClean="0"/>
-              <a:t>Link :</a:t>
+              <a:t>Link </a:t>
+            </a:r>
+            <a:r>
+              <a:rPr lang="en-US" sz="2800" dirty="0" smtClean="0"/>
+              <a:t>:</a:t>
+            </a:r>
+            <a:r>
+              <a:rPr lang="en-US" sz="2800" dirty="0" smtClean="0">
+                <a:hlinkClick r:id="rId3" action="ppaction://hlinkfile"/>
+              </a:rPr>
+              <a:t>Project_TestCase_Online.xlsx</a:t>
             </a:r>
             <a:endParaRPr lang="en-US" sz="2800" b="0" dirty="0"/>
           </a:p>
@@ -41979,7 +43707,7 @@
         </p:xfrm>
         <a:graphic>
           <a:graphicData uri="http://schemas.openxmlformats.org/drawingml/2006/diagram">
-            <dgm:relIds xmlns:dgm="http://schemas.openxmlformats.org/drawingml/2006/diagram" xmlns:r="http://schemas.openxmlformats.org/officeDocument/2006/relationships" r:dm="rId3" r:lo="rId4" r:qs="rId5" r:cs="rId6"/>
+            <dgm:relIds xmlns:dgm="http://schemas.openxmlformats.org/drawingml/2006/diagram" xmlns:r="http://schemas.openxmlformats.org/officeDocument/2006/relationships" r:dm="rId4" r:lo="rId5" r:qs="rId6" r:cs="rId7"/>
           </a:graphicData>
         </a:graphic>
       </p:graphicFrame>
@@ -42120,7 +43848,7 @@
         </p:xfrm>
         <a:graphic>
           <a:graphicData uri="http://schemas.openxmlformats.org/drawingml/2006/diagram">
-            <dgm:relIds xmlns:dgm="http://schemas.openxmlformats.org/drawingml/2006/diagram" xmlns:r="http://schemas.openxmlformats.org/officeDocument/2006/relationships" r:dm="rId8" r:lo="rId9" r:qs="rId10" r:cs="rId11"/>
+            <dgm:relIds xmlns:dgm="http://schemas.openxmlformats.org/drawingml/2006/diagram" xmlns:r="http://schemas.openxmlformats.org/officeDocument/2006/relationships" r:dm="rId9" r:lo="rId10" r:qs="rId11" r:cs="rId12"/>
           </a:graphicData>
         </a:graphic>
       </p:graphicFrame>
@@ -42329,6 +44057,16 @@
                 <a:latin typeface="Bookman Old Style" panose="02050604050505020204" pitchFamily="18" charset="0"/>
               </a:rPr>
               <a:t>LINK: </a:t>
+            </a:r>
+            <a:r>
+              <a:rPr lang="en-US" sz="2400" dirty="0" smtClean="0">
+                <a:solidFill>
+                  <a:schemeClr val="tx1"/>
+                </a:solidFill>
+                <a:latin typeface="Bookman Old Style" panose="02050604050505020204" pitchFamily="18" charset="0"/>
+                <a:hlinkClick r:id="rId2" action="ppaction://hlinkfile"/>
+              </a:rPr>
+              <a:t>RVFD for online banking_project.xlsx</a:t>
             </a:r>
             <a:endParaRPr lang="en-US" sz="2400" b="0" dirty="0">
               <a:solidFill>
